--- a/lab/lab4/Lab4_Block_Diagram.pptx
+++ b/lab/lab4/Lab4_Block_Diagram.pptx
@@ -1933,7 +1933,7 @@
           <a:p>
             <a:fld id="{8F2FD15C-CBA0-4BCE-BE84-26287205EF6C}" type="datetimeFigureOut">
               <a:rPr lang="en-US" smtClean="0"/>
-              <a:t>4/13/2022</a:t>
+              <a:t>4/15/2022</a:t>
             </a:fld>
             <a:endParaRPr lang="en-US"/>
           </a:p>
@@ -2464,7 +2464,7 @@
             <a:fld id="{1D8BD707-D9CF-40AE-B4C6-C98DA3205C09}" type="datetimeFigureOut">
               <a:rPr lang="en-US" smtClean="0"/>
               <a:pPr/>
-              <a:t>4/13/2022</a:t>
+              <a:t>4/15/2022</a:t>
             </a:fld>
             <a:endParaRPr lang="en-US"/>
           </a:p>
@@ -2629,7 +2629,7 @@
             <a:fld id="{1D8BD707-D9CF-40AE-B4C6-C98DA3205C09}" type="datetimeFigureOut">
               <a:rPr lang="en-US" smtClean="0"/>
               <a:pPr/>
-              <a:t>4/13/2022</a:t>
+              <a:t>4/15/2022</a:t>
             </a:fld>
             <a:endParaRPr lang="en-US"/>
           </a:p>
@@ -2804,7 +2804,7 @@
             <a:fld id="{1D8BD707-D9CF-40AE-B4C6-C98DA3205C09}" type="datetimeFigureOut">
               <a:rPr lang="en-US" smtClean="0"/>
               <a:pPr/>
-              <a:t>4/13/2022</a:t>
+              <a:t>4/15/2022</a:t>
             </a:fld>
             <a:endParaRPr lang="en-US"/>
           </a:p>
@@ -2969,7 +2969,7 @@
             <a:fld id="{1D8BD707-D9CF-40AE-B4C6-C98DA3205C09}" type="datetimeFigureOut">
               <a:rPr lang="en-US" smtClean="0"/>
               <a:pPr/>
-              <a:t>4/13/2022</a:t>
+              <a:t>4/15/2022</a:t>
             </a:fld>
             <a:endParaRPr lang="en-US"/>
           </a:p>
@@ -3211,7 +3211,7 @@
             <a:fld id="{1D8BD707-D9CF-40AE-B4C6-C98DA3205C09}" type="datetimeFigureOut">
               <a:rPr lang="en-US" smtClean="0"/>
               <a:pPr/>
-              <a:t>4/13/2022</a:t>
+              <a:t>4/15/2022</a:t>
             </a:fld>
             <a:endParaRPr lang="en-US"/>
           </a:p>
@@ -3493,7 +3493,7 @@
             <a:fld id="{1D8BD707-D9CF-40AE-B4C6-C98DA3205C09}" type="datetimeFigureOut">
               <a:rPr lang="en-US" smtClean="0"/>
               <a:pPr/>
-              <a:t>4/13/2022</a:t>
+              <a:t>4/15/2022</a:t>
             </a:fld>
             <a:endParaRPr lang="en-US"/>
           </a:p>
@@ -3909,7 +3909,7 @@
             <a:fld id="{1D8BD707-D9CF-40AE-B4C6-C98DA3205C09}" type="datetimeFigureOut">
               <a:rPr lang="en-US" smtClean="0"/>
               <a:pPr/>
-              <a:t>4/13/2022</a:t>
+              <a:t>4/15/2022</a:t>
             </a:fld>
             <a:endParaRPr lang="en-US"/>
           </a:p>
@@ -4023,7 +4023,7 @@
             <a:fld id="{1D8BD707-D9CF-40AE-B4C6-C98DA3205C09}" type="datetimeFigureOut">
               <a:rPr lang="en-US" smtClean="0"/>
               <a:pPr/>
-              <a:t>4/13/2022</a:t>
+              <a:t>4/15/2022</a:t>
             </a:fld>
             <a:endParaRPr lang="en-US"/>
           </a:p>
@@ -4115,7 +4115,7 @@
             <a:fld id="{1D8BD707-D9CF-40AE-B4C6-C98DA3205C09}" type="datetimeFigureOut">
               <a:rPr lang="en-US" smtClean="0"/>
               <a:pPr/>
-              <a:t>4/13/2022</a:t>
+              <a:t>4/15/2022</a:t>
             </a:fld>
             <a:endParaRPr lang="en-US"/>
           </a:p>
@@ -4387,7 +4387,7 @@
             <a:fld id="{1D8BD707-D9CF-40AE-B4C6-C98DA3205C09}" type="datetimeFigureOut">
               <a:rPr lang="en-US" smtClean="0"/>
               <a:pPr/>
-              <a:t>4/13/2022</a:t>
+              <a:t>4/15/2022</a:t>
             </a:fld>
             <a:endParaRPr lang="en-US"/>
           </a:p>
@@ -4636,7 +4636,7 @@
             <a:fld id="{1D8BD707-D9CF-40AE-B4C6-C98DA3205C09}" type="datetimeFigureOut">
               <a:rPr lang="en-US" smtClean="0"/>
               <a:pPr/>
-              <a:t>4/13/2022</a:t>
+              <a:t>4/15/2022</a:t>
             </a:fld>
             <a:endParaRPr lang="en-US"/>
           </a:p>
@@ -4844,7 +4844,7 @@
             <a:fld id="{1D8BD707-D9CF-40AE-B4C6-C98DA3205C09}" type="datetimeFigureOut">
               <a:rPr lang="en-US" smtClean="0"/>
               <a:pPr/>
-              <a:t>4/13/2022</a:t>
+              <a:t>4/15/2022</a:t>
             </a:fld>
             <a:endParaRPr lang="en-US"/>
           </a:p>
@@ -5830,10 +5830,18 @@
           <a:p>
             <a:pPr algn="ctr"/>
             <a:r>
-              <a:rPr lang="en-US" sz="1800" dirty="0" err="1"/>
+              <a:rPr lang="en-US" sz="1800" dirty="0" err="1">
+                <a:solidFill>
+                  <a:srgbClr val="0070C0"/>
+                </a:solidFill>
+              </a:rPr>
               <a:t>L_bus</a:t>
             </a:r>
-            <a:endParaRPr lang="en-US" sz="1800" dirty="0"/>
+            <a:endParaRPr lang="en-US" sz="1800" dirty="0">
+              <a:solidFill>
+                <a:srgbClr val="0070C0"/>
+              </a:solidFill>
+            </a:endParaRPr>
           </a:p>
         </p:txBody>
       </p:sp>
@@ -6233,592 +6241,6 @@
             <a:r>
               <a:rPr lang="en-US" sz="1800" dirty="0" err="1"/>
               <a:t>tmdsb</a:t>
-            </a:r>
-            <a:endParaRPr lang="en-US" sz="1800" dirty="0"/>
-          </a:p>
-        </p:txBody>
-      </p:sp>
-      <p:cxnSp>
-        <p:nvCxnSpPr>
-          <p:cNvPr id="164" name="Straight Connector 163"/>
-          <p:cNvCxnSpPr>
-            <a:cxnSpLocks/>
-          </p:cNvCxnSpPr>
-          <p:nvPr/>
-        </p:nvCxnSpPr>
-        <p:spPr>
-          <a:xfrm>
-            <a:off x="945068" y="2901978"/>
-            <a:ext cx="342891" cy="8581"/>
-          </a:xfrm>
-          <a:prstGeom prst="line">
-            <a:avLst/>
-          </a:prstGeom>
-          <a:ln w="12700">
-            <a:solidFill>
-              <a:schemeClr val="tx1"/>
-            </a:solidFill>
-            <a:tailEnd type="triangle"/>
-          </a:ln>
-        </p:spPr>
-        <p:style>
-          <a:lnRef idx="1">
-            <a:schemeClr val="accent1"/>
-          </a:lnRef>
-          <a:fillRef idx="0">
-            <a:schemeClr val="accent1"/>
-          </a:fillRef>
-          <a:effectRef idx="0">
-            <a:schemeClr val="accent1"/>
-          </a:effectRef>
-          <a:fontRef idx="minor">
-            <a:schemeClr val="tx1"/>
-          </a:fontRef>
-        </p:style>
-      </p:cxnSp>
-      <p:sp>
-        <p:nvSpPr>
-          <p:cNvPr id="166" name="TextBox 165"/>
-          <p:cNvSpPr txBox="1"/>
-          <p:nvPr/>
-        </p:nvSpPr>
-        <p:spPr>
-          <a:xfrm>
-            <a:off x="461089" y="2643578"/>
-            <a:ext cx="533400" cy="369332"/>
-          </a:xfrm>
-          <a:prstGeom prst="rect">
-            <a:avLst/>
-          </a:prstGeom>
-          <a:noFill/>
-        </p:spPr>
-        <p:txBody>
-          <a:bodyPr wrap="square" lIns="91440" tIns="45720" rIns="91440" bIns="45720" rtlCol="0">
-            <a:spAutoFit/>
-          </a:bodyPr>
-          <a:lstStyle/>
-          <a:p>
-            <a:r>
-              <a:rPr lang="en-US" sz="1800" u="sng" dirty="0"/>
-              <a:t>clk</a:t>
-            </a:r>
-          </a:p>
-        </p:txBody>
-      </p:sp>
-      <p:sp>
-        <p:nvSpPr>
-          <p:cNvPr id="167" name="TextBox 166"/>
-          <p:cNvSpPr txBox="1"/>
-          <p:nvPr/>
-        </p:nvSpPr>
-        <p:spPr>
-          <a:xfrm>
-            <a:off x="180726" y="3022309"/>
-            <a:ext cx="933610" cy="369332"/>
-          </a:xfrm>
-          <a:prstGeom prst="rect">
-            <a:avLst/>
-          </a:prstGeom>
-          <a:noFill/>
-        </p:spPr>
-        <p:txBody>
-          <a:bodyPr wrap="square" lIns="91440" tIns="45720" rIns="91440" bIns="45720" rtlCol="0">
-            <a:spAutoFit/>
-          </a:bodyPr>
-          <a:lstStyle/>
-          <a:p>
-            <a:r>
-              <a:rPr lang="en-US" sz="1800" dirty="0" err="1"/>
-              <a:t>reset_n</a:t>
-            </a:r>
-            <a:endParaRPr lang="en-US" sz="1800" dirty="0"/>
-          </a:p>
-        </p:txBody>
-      </p:sp>
-      <p:cxnSp>
-        <p:nvCxnSpPr>
-          <p:cNvPr id="175" name="Straight Connector 174"/>
-          <p:cNvCxnSpPr>
-            <a:cxnSpLocks/>
-          </p:cNvCxnSpPr>
-          <p:nvPr/>
-        </p:nvCxnSpPr>
-        <p:spPr>
-          <a:xfrm flipV="1">
-            <a:off x="830644" y="3845714"/>
-            <a:ext cx="525063" cy="37121"/>
-          </a:xfrm>
-          <a:prstGeom prst="line">
-            <a:avLst/>
-          </a:prstGeom>
-          <a:ln w="12700">
-            <a:solidFill>
-              <a:schemeClr val="tx1"/>
-            </a:solidFill>
-            <a:headEnd type="triangle"/>
-            <a:tailEnd type="none"/>
-          </a:ln>
-        </p:spPr>
-        <p:style>
-          <a:lnRef idx="1">
-            <a:schemeClr val="accent1"/>
-          </a:lnRef>
-          <a:fillRef idx="0">
-            <a:schemeClr val="accent1"/>
-          </a:fillRef>
-          <a:effectRef idx="0">
-            <a:schemeClr val="accent1"/>
-          </a:effectRef>
-          <a:fontRef idx="minor">
-            <a:schemeClr val="tx1"/>
-          </a:fontRef>
-        </p:style>
-      </p:cxnSp>
-      <p:sp>
-        <p:nvSpPr>
-          <p:cNvPr id="176" name="TextBox 175"/>
-          <p:cNvSpPr txBox="1"/>
-          <p:nvPr/>
-        </p:nvSpPr>
-        <p:spPr>
-          <a:xfrm>
-            <a:off x="-844426" y="3657285"/>
-            <a:ext cx="1742808" cy="369332"/>
-          </a:xfrm>
-          <a:prstGeom prst="rect">
-            <a:avLst/>
-          </a:prstGeom>
-          <a:noFill/>
-        </p:spPr>
-        <p:txBody>
-          <a:bodyPr wrap="square" lIns="91440" tIns="45720" rIns="91440" bIns="45720" rtlCol="0">
-            <a:spAutoFit/>
-          </a:bodyPr>
-          <a:lstStyle/>
-          <a:p>
-            <a:pPr algn="r"/>
-            <a:r>
-              <a:rPr lang="en-US" sz="1800" dirty="0" err="1"/>
-              <a:t>ac_mclk</a:t>
-            </a:r>
-            <a:endParaRPr lang="en-US" sz="1800" dirty="0"/>
-          </a:p>
-        </p:txBody>
-      </p:sp>
-      <p:cxnSp>
-        <p:nvCxnSpPr>
-          <p:cNvPr id="177" name="Straight Connector 176"/>
-          <p:cNvCxnSpPr>
-            <a:cxnSpLocks/>
-          </p:cNvCxnSpPr>
-          <p:nvPr/>
-        </p:nvCxnSpPr>
-        <p:spPr>
-          <a:xfrm>
-            <a:off x="830644" y="4122182"/>
-            <a:ext cx="525063" cy="3309"/>
-          </a:xfrm>
-          <a:prstGeom prst="line">
-            <a:avLst/>
-          </a:prstGeom>
-          <a:ln w="12700">
-            <a:solidFill>
-              <a:schemeClr val="tx1"/>
-            </a:solidFill>
-            <a:tailEnd type="triangle"/>
-          </a:ln>
-        </p:spPr>
-        <p:style>
-          <a:lnRef idx="1">
-            <a:schemeClr val="accent1"/>
-          </a:lnRef>
-          <a:fillRef idx="0">
-            <a:schemeClr val="accent1"/>
-          </a:fillRef>
-          <a:effectRef idx="0">
-            <a:schemeClr val="accent1"/>
-          </a:effectRef>
-          <a:fontRef idx="minor">
-            <a:schemeClr val="tx1"/>
-          </a:fontRef>
-        </p:style>
-      </p:cxnSp>
-      <p:sp>
-        <p:nvSpPr>
-          <p:cNvPr id="178" name="TextBox 177"/>
-          <p:cNvSpPr txBox="1"/>
-          <p:nvPr/>
-        </p:nvSpPr>
-        <p:spPr>
-          <a:xfrm>
-            <a:off x="-828533" y="3907213"/>
-            <a:ext cx="1740351" cy="261610"/>
-          </a:xfrm>
-          <a:prstGeom prst="rect">
-            <a:avLst/>
-          </a:prstGeom>
-          <a:noFill/>
-        </p:spPr>
-        <p:txBody>
-          <a:bodyPr wrap="square" lIns="91440" tIns="45720" rIns="91440" bIns="45720" rtlCol="0">
-            <a:spAutoFit/>
-          </a:bodyPr>
-          <a:lstStyle/>
-          <a:p>
-            <a:pPr algn="r"/>
-            <a:r>
-              <a:rPr lang="en-US" sz="1100" dirty="0" err="1"/>
-              <a:t>ac_adc_sdata</a:t>
-            </a:r>
-            <a:endParaRPr lang="en-US" sz="1100" dirty="0"/>
-          </a:p>
-        </p:txBody>
-      </p:sp>
-      <p:cxnSp>
-        <p:nvCxnSpPr>
-          <p:cNvPr id="181" name="Straight Connector 180"/>
-          <p:cNvCxnSpPr>
-            <a:cxnSpLocks/>
-          </p:cNvCxnSpPr>
-          <p:nvPr/>
-        </p:nvCxnSpPr>
-        <p:spPr>
-          <a:xfrm flipV="1">
-            <a:off x="830644" y="4383048"/>
-            <a:ext cx="520149" cy="4934"/>
-          </a:xfrm>
-          <a:prstGeom prst="line">
-            <a:avLst/>
-          </a:prstGeom>
-          <a:ln w="12700">
-            <a:solidFill>
-              <a:schemeClr val="tx1"/>
-            </a:solidFill>
-            <a:headEnd type="triangle"/>
-            <a:tailEnd type="none"/>
-          </a:ln>
-        </p:spPr>
-        <p:style>
-          <a:lnRef idx="1">
-            <a:schemeClr val="accent1"/>
-          </a:lnRef>
-          <a:fillRef idx="0">
-            <a:schemeClr val="accent1"/>
-          </a:fillRef>
-          <a:effectRef idx="0">
-            <a:schemeClr val="accent1"/>
-          </a:effectRef>
-          <a:fontRef idx="minor">
-            <a:schemeClr val="tx1"/>
-          </a:fontRef>
-        </p:style>
-      </p:cxnSp>
-      <p:sp>
-        <p:nvSpPr>
-          <p:cNvPr id="182" name="TextBox 181"/>
-          <p:cNvSpPr txBox="1"/>
-          <p:nvPr/>
-        </p:nvSpPr>
-        <p:spPr>
-          <a:xfrm>
-            <a:off x="-830803" y="4174122"/>
-            <a:ext cx="1735436" cy="261610"/>
-          </a:xfrm>
-          <a:prstGeom prst="rect">
-            <a:avLst/>
-          </a:prstGeom>
-          <a:noFill/>
-        </p:spPr>
-        <p:txBody>
-          <a:bodyPr wrap="square" lIns="91440" tIns="45720" rIns="91440" bIns="45720" rtlCol="0">
-            <a:spAutoFit/>
-          </a:bodyPr>
-          <a:lstStyle/>
-          <a:p>
-            <a:pPr algn="r"/>
-            <a:r>
-              <a:rPr lang="en-US" sz="1100" dirty="0" err="1"/>
-              <a:t>ac_dac_sdata</a:t>
-            </a:r>
-            <a:endParaRPr lang="en-US" sz="1100" dirty="0"/>
-          </a:p>
-        </p:txBody>
-      </p:sp>
-      <p:cxnSp>
-        <p:nvCxnSpPr>
-          <p:cNvPr id="203" name="Straight Connector 202"/>
-          <p:cNvCxnSpPr>
-            <a:cxnSpLocks/>
-          </p:cNvCxnSpPr>
-          <p:nvPr/>
-        </p:nvCxnSpPr>
-        <p:spPr>
-          <a:xfrm flipV="1">
-            <a:off x="830644" y="4664305"/>
-            <a:ext cx="525063" cy="4625"/>
-          </a:xfrm>
-          <a:prstGeom prst="line">
-            <a:avLst/>
-          </a:prstGeom>
-          <a:ln w="12700">
-            <a:solidFill>
-              <a:schemeClr val="tx1"/>
-            </a:solidFill>
-            <a:headEnd type="triangle"/>
-            <a:tailEnd type="none"/>
-          </a:ln>
-        </p:spPr>
-        <p:style>
-          <a:lnRef idx="1">
-            <a:schemeClr val="accent1"/>
-          </a:lnRef>
-          <a:fillRef idx="0">
-            <a:schemeClr val="accent1"/>
-          </a:fillRef>
-          <a:effectRef idx="0">
-            <a:schemeClr val="accent1"/>
-          </a:effectRef>
-          <a:fontRef idx="minor">
-            <a:schemeClr val="tx1"/>
-          </a:fontRef>
-        </p:style>
-      </p:cxnSp>
-      <p:sp>
-        <p:nvSpPr>
-          <p:cNvPr id="204" name="TextBox 203"/>
-          <p:cNvSpPr txBox="1"/>
-          <p:nvPr/>
-        </p:nvSpPr>
-        <p:spPr>
-          <a:xfrm>
-            <a:off x="-846128" y="4475548"/>
-            <a:ext cx="1742808" cy="369332"/>
-          </a:xfrm>
-          <a:prstGeom prst="rect">
-            <a:avLst/>
-          </a:prstGeom>
-          <a:noFill/>
-        </p:spPr>
-        <p:txBody>
-          <a:bodyPr wrap="square" lIns="91440" tIns="45720" rIns="91440" bIns="45720" rtlCol="0">
-            <a:spAutoFit/>
-          </a:bodyPr>
-          <a:lstStyle/>
-          <a:p>
-            <a:pPr algn="r"/>
-            <a:r>
-              <a:rPr lang="en-US" sz="1800" dirty="0" err="1"/>
-              <a:t>ac_bclk</a:t>
-            </a:r>
-            <a:endParaRPr lang="en-US" sz="1800" dirty="0"/>
-          </a:p>
-        </p:txBody>
-      </p:sp>
-      <p:cxnSp>
-        <p:nvCxnSpPr>
-          <p:cNvPr id="206" name="Straight Connector 205"/>
-          <p:cNvCxnSpPr>
-            <a:cxnSpLocks/>
-          </p:cNvCxnSpPr>
-          <p:nvPr/>
-        </p:nvCxnSpPr>
-        <p:spPr>
-          <a:xfrm>
-            <a:off x="830644" y="4936840"/>
-            <a:ext cx="536938" cy="3565"/>
-          </a:xfrm>
-          <a:prstGeom prst="line">
-            <a:avLst/>
-          </a:prstGeom>
-          <a:ln w="12700">
-            <a:solidFill>
-              <a:schemeClr val="tx1"/>
-            </a:solidFill>
-            <a:headEnd type="triangle"/>
-            <a:tailEnd type="none"/>
-          </a:ln>
-        </p:spPr>
-        <p:style>
-          <a:lnRef idx="1">
-            <a:schemeClr val="accent1"/>
-          </a:lnRef>
-          <a:fillRef idx="0">
-            <a:schemeClr val="accent1"/>
-          </a:fillRef>
-          <a:effectRef idx="0">
-            <a:schemeClr val="accent1"/>
-          </a:effectRef>
-          <a:fontRef idx="minor">
-            <a:schemeClr val="tx1"/>
-          </a:fontRef>
-        </p:style>
-      </p:cxnSp>
-      <p:sp>
-        <p:nvSpPr>
-          <p:cNvPr id="207" name="TextBox 206"/>
-          <p:cNvSpPr txBox="1"/>
-          <p:nvPr/>
-        </p:nvSpPr>
-        <p:spPr>
-          <a:xfrm>
-            <a:off x="-846128" y="4746592"/>
-            <a:ext cx="1742808" cy="369332"/>
-          </a:xfrm>
-          <a:prstGeom prst="rect">
-            <a:avLst/>
-          </a:prstGeom>
-          <a:noFill/>
-        </p:spPr>
-        <p:txBody>
-          <a:bodyPr wrap="square" lIns="91440" tIns="45720" rIns="91440" bIns="45720" rtlCol="0">
-            <a:spAutoFit/>
-          </a:bodyPr>
-          <a:lstStyle/>
-          <a:p>
-            <a:pPr algn="r"/>
-            <a:r>
-              <a:rPr lang="en-US" sz="1800" dirty="0" err="1"/>
-              <a:t>ac_lrclk</a:t>
-            </a:r>
-            <a:endParaRPr lang="en-US" sz="1800" dirty="0"/>
-          </a:p>
-        </p:txBody>
-      </p:sp>
-      <p:cxnSp>
-        <p:nvCxnSpPr>
-          <p:cNvPr id="209" name="Straight Connector 208"/>
-          <p:cNvCxnSpPr>
-            <a:cxnSpLocks/>
-          </p:cNvCxnSpPr>
-          <p:nvPr/>
-        </p:nvCxnSpPr>
-        <p:spPr>
-          <a:xfrm>
-            <a:off x="830644" y="5218303"/>
-            <a:ext cx="536938" cy="26902"/>
-          </a:xfrm>
-          <a:prstGeom prst="line">
-            <a:avLst/>
-          </a:prstGeom>
-          <a:ln w="12700">
-            <a:solidFill>
-              <a:schemeClr val="tx1"/>
-            </a:solidFill>
-            <a:headEnd type="triangle"/>
-            <a:tailEnd type="triangle"/>
-          </a:ln>
-        </p:spPr>
-        <p:style>
-          <a:lnRef idx="1">
-            <a:schemeClr val="accent1"/>
-          </a:lnRef>
-          <a:fillRef idx="0">
-            <a:schemeClr val="accent1"/>
-          </a:fillRef>
-          <a:effectRef idx="0">
-            <a:schemeClr val="accent1"/>
-          </a:effectRef>
-          <a:fontRef idx="minor">
-            <a:schemeClr val="tx1"/>
-          </a:fontRef>
-        </p:style>
-      </p:cxnSp>
-      <p:sp>
-        <p:nvSpPr>
-          <p:cNvPr id="210" name="TextBox 209"/>
-          <p:cNvSpPr txBox="1"/>
-          <p:nvPr/>
-        </p:nvSpPr>
-        <p:spPr>
-          <a:xfrm>
-            <a:off x="-865130" y="5053974"/>
-            <a:ext cx="1742808" cy="369332"/>
-          </a:xfrm>
-          <a:prstGeom prst="rect">
-            <a:avLst/>
-          </a:prstGeom>
-          <a:noFill/>
-        </p:spPr>
-        <p:txBody>
-          <a:bodyPr wrap="square" lIns="91440" tIns="45720" rIns="91440" bIns="45720" rtlCol="0">
-            <a:spAutoFit/>
-          </a:bodyPr>
-          <a:lstStyle/>
-          <a:p>
-            <a:pPr algn="r"/>
-            <a:r>
-              <a:rPr lang="en-US" sz="1800" dirty="0" err="1"/>
-              <a:t>scl</a:t>
-            </a:r>
-            <a:endParaRPr lang="en-US" sz="1800" dirty="0"/>
-          </a:p>
-        </p:txBody>
-      </p:sp>
-      <p:cxnSp>
-        <p:nvCxnSpPr>
-          <p:cNvPr id="212" name="Straight Connector 211"/>
-          <p:cNvCxnSpPr>
-            <a:cxnSpLocks/>
-          </p:cNvCxnSpPr>
-          <p:nvPr/>
-        </p:nvCxnSpPr>
-        <p:spPr>
-          <a:xfrm>
-            <a:off x="838200" y="5493783"/>
-            <a:ext cx="529382" cy="27522"/>
-          </a:xfrm>
-          <a:prstGeom prst="line">
-            <a:avLst/>
-          </a:prstGeom>
-          <a:ln w="12700">
-            <a:solidFill>
-              <a:schemeClr val="tx1"/>
-            </a:solidFill>
-            <a:headEnd type="triangle"/>
-            <a:tailEnd type="triangle"/>
-          </a:ln>
-        </p:spPr>
-        <p:style>
-          <a:lnRef idx="1">
-            <a:schemeClr val="accent1"/>
-          </a:lnRef>
-          <a:fillRef idx="0">
-            <a:schemeClr val="accent1"/>
-          </a:fillRef>
-          <a:effectRef idx="0">
-            <a:schemeClr val="accent1"/>
-          </a:effectRef>
-          <a:fontRef idx="minor">
-            <a:schemeClr val="tx1"/>
-          </a:fontRef>
-        </p:style>
-      </p:cxnSp>
-      <p:sp>
-        <p:nvSpPr>
-          <p:cNvPr id="213" name="TextBox 212"/>
-          <p:cNvSpPr txBox="1"/>
-          <p:nvPr/>
-        </p:nvSpPr>
-        <p:spPr>
-          <a:xfrm>
-            <a:off x="377619" y="5318028"/>
-            <a:ext cx="551984" cy="369332"/>
-          </a:xfrm>
-          <a:prstGeom prst="rect">
-            <a:avLst/>
-          </a:prstGeom>
-          <a:noFill/>
-        </p:spPr>
-        <p:txBody>
-          <a:bodyPr wrap="square" lIns="91440" tIns="45720" rIns="91440" bIns="45720" rtlCol="0">
-            <a:spAutoFit/>
-          </a:bodyPr>
-          <a:lstStyle/>
-          <a:p>
-            <a:pPr algn="r"/>
-            <a:r>
-              <a:rPr lang="en-US" sz="1800" dirty="0" err="1"/>
-              <a:t>sda</a:t>
             </a:r>
             <a:endParaRPr lang="en-US" sz="1800" dirty="0"/>
           </a:p>
@@ -7471,7 +6893,7 @@
           <a:p>
             <a:r>
               <a:rPr lang="en-US" sz="1800" dirty="0"/>
-              <a:t>8</a:t>
+              <a:t>4</a:t>
             </a:r>
           </a:p>
         </p:txBody>
@@ -7484,7 +6906,7 @@
         </p:nvSpPr>
         <p:spPr>
           <a:xfrm>
-            <a:off x="6102592" y="12779132"/>
+            <a:off x="6091320" y="12847379"/>
             <a:ext cx="1572174" cy="369332"/>
           </a:xfrm>
           <a:prstGeom prst="rect">
@@ -7500,142 +6922,9 @@
           <a:p>
             <a:pPr algn="ctr"/>
             <a:r>
-              <a:rPr lang="en-US" sz="1800" dirty="0" err="1"/>
-              <a:t>sw</a:t>
-            </a:r>
-            <a:endParaRPr lang="en-US" sz="1800" dirty="0"/>
-          </a:p>
-        </p:txBody>
-      </p:sp>
-      <p:cxnSp>
-        <p:nvCxnSpPr>
-          <p:cNvPr id="468" name="Straight Connector 467"/>
-          <p:cNvCxnSpPr/>
-          <p:nvPr/>
-        </p:nvCxnSpPr>
-        <p:spPr>
-          <a:xfrm flipV="1">
-            <a:off x="8380533" y="12440675"/>
-            <a:ext cx="323623" cy="304800"/>
-          </a:xfrm>
-          <a:prstGeom prst="line">
-            <a:avLst/>
-          </a:prstGeom>
-          <a:ln w="12700">
-            <a:solidFill>
-              <a:schemeClr val="tx1"/>
-            </a:solidFill>
-          </a:ln>
-        </p:spPr>
-        <p:style>
-          <a:lnRef idx="1">
-            <a:schemeClr val="accent1"/>
-          </a:lnRef>
-          <a:fillRef idx="0">
-            <a:schemeClr val="accent1"/>
-          </a:fillRef>
-          <a:effectRef idx="0">
-            <a:schemeClr val="accent1"/>
-          </a:effectRef>
-          <a:fontRef idx="minor">
-            <a:schemeClr val="tx1"/>
-          </a:fontRef>
-        </p:style>
-      </p:cxnSp>
-      <p:cxnSp>
-        <p:nvCxnSpPr>
-          <p:cNvPr id="469" name="Straight Connector 468"/>
-          <p:cNvCxnSpPr/>
-          <p:nvPr/>
-        </p:nvCxnSpPr>
-        <p:spPr>
-          <a:xfrm flipH="1" flipV="1">
-            <a:off x="8542345" y="12143962"/>
-            <a:ext cx="11272" cy="720348"/>
-          </a:xfrm>
-          <a:prstGeom prst="line">
-            <a:avLst/>
-          </a:prstGeom>
-          <a:ln w="38100">
-            <a:solidFill>
-              <a:schemeClr val="tx1"/>
-            </a:solidFill>
-            <a:headEnd type="none"/>
-            <a:tailEnd type="triangle"/>
-          </a:ln>
-        </p:spPr>
-        <p:style>
-          <a:lnRef idx="1">
-            <a:schemeClr val="accent1"/>
-          </a:lnRef>
-          <a:fillRef idx="0">
-            <a:schemeClr val="accent1"/>
-          </a:fillRef>
-          <a:effectRef idx="0">
-            <a:schemeClr val="accent1"/>
-          </a:effectRef>
-          <a:fontRef idx="minor">
-            <a:schemeClr val="tx1"/>
-          </a:fontRef>
-        </p:style>
-      </p:cxnSp>
-      <p:sp>
-        <p:nvSpPr>
-          <p:cNvPr id="470" name="TextBox 469"/>
-          <p:cNvSpPr txBox="1"/>
-          <p:nvPr/>
-        </p:nvSpPr>
-        <p:spPr>
-          <a:xfrm>
-            <a:off x="8257254" y="12348885"/>
-            <a:ext cx="911328" cy="369332"/>
-          </a:xfrm>
-          <a:prstGeom prst="rect">
-            <a:avLst/>
-          </a:prstGeom>
-          <a:noFill/>
-        </p:spPr>
-        <p:txBody>
-          <a:bodyPr wrap="square" lIns="91440" tIns="45720" rIns="91440" bIns="45720" rtlCol="0">
-            <a:spAutoFit/>
-          </a:bodyPr>
-          <a:lstStyle/>
-          <a:p>
-            <a:r>
               <a:rPr lang="en-US" sz="1800" dirty="0"/>
-              <a:t>4</a:t>
-            </a:r>
-          </a:p>
-        </p:txBody>
-      </p:sp>
-      <p:sp>
-        <p:nvSpPr>
-          <p:cNvPr id="471" name="TextBox 470"/>
-          <p:cNvSpPr txBox="1"/>
-          <p:nvPr/>
-        </p:nvSpPr>
-        <p:spPr>
-          <a:xfrm>
-            <a:off x="7804333" y="12756899"/>
-            <a:ext cx="1572174" cy="369332"/>
-          </a:xfrm>
-          <a:prstGeom prst="rect">
-            <a:avLst/>
-          </a:prstGeom>
-          <a:noFill/>
-        </p:spPr>
-        <p:txBody>
-          <a:bodyPr wrap="square" lIns="91440" tIns="45720" rIns="91440" bIns="45720" rtlCol="0">
-            <a:spAutoFit/>
-          </a:bodyPr>
-          <a:lstStyle/>
-          <a:p>
-            <a:pPr algn="ctr"/>
-            <a:r>
-              <a:rPr lang="en-US" sz="1800" dirty="0" err="1"/>
-              <a:t>btn</a:t>
-            </a:r>
-            <a:endParaRPr lang="en-US" sz="1800" dirty="0"/>
+              <a:t>switch(7:4)</a:t>
+            </a:r>
           </a:p>
         </p:txBody>
       </p:sp>
@@ -7800,50 +7089,6 @@
       </p:sp>
       <p:cxnSp>
         <p:nvCxnSpPr>
-          <p:cNvPr id="264" name="Straight Connector 263">
-            <a:extLst>
-              <a:ext uri="{FF2B5EF4-FFF2-40B4-BE49-F238E27FC236}">
-                <a16:creationId xmlns:a16="http://schemas.microsoft.com/office/drawing/2014/main" id="{2B8D5FBF-99FE-4053-8949-4F8248DDCFB9}"/>
-              </a:ext>
-            </a:extLst>
-          </p:cNvPr>
-          <p:cNvCxnSpPr>
-            <a:cxnSpLocks/>
-          </p:cNvCxnSpPr>
-          <p:nvPr/>
-        </p:nvCxnSpPr>
-        <p:spPr>
-          <a:xfrm>
-            <a:off x="970935" y="3243135"/>
-            <a:ext cx="342891" cy="8581"/>
-          </a:xfrm>
-          <a:prstGeom prst="line">
-            <a:avLst/>
-          </a:prstGeom>
-          <a:ln w="12700">
-            <a:solidFill>
-              <a:schemeClr val="tx1"/>
-            </a:solidFill>
-            <a:tailEnd type="triangle"/>
-          </a:ln>
-        </p:spPr>
-        <p:style>
-          <a:lnRef idx="1">
-            <a:schemeClr val="accent1"/>
-          </a:lnRef>
-          <a:fillRef idx="0">
-            <a:schemeClr val="accent1"/>
-          </a:fillRef>
-          <a:effectRef idx="0">
-            <a:schemeClr val="accent1"/>
-          </a:effectRef>
-          <a:fontRef idx="minor">
-            <a:schemeClr val="tx1"/>
-          </a:fontRef>
-        </p:style>
-      </p:cxnSp>
-      <p:cxnSp>
-        <p:nvCxnSpPr>
           <p:cNvPr id="267" name="Straight Connector 266">
             <a:extLst>
               <a:ext uri="{FF2B5EF4-FFF2-40B4-BE49-F238E27FC236}">
@@ -8001,6 +7246,3193 @@
           </a:p>
         </p:txBody>
       </p:sp>
+      <p:cxnSp>
+        <p:nvCxnSpPr>
+          <p:cNvPr id="85" name="Straight Connector 84">
+            <a:extLst>
+              <a:ext uri="{FF2B5EF4-FFF2-40B4-BE49-F238E27FC236}">
+                <a16:creationId xmlns:a16="http://schemas.microsoft.com/office/drawing/2014/main" id="{535F1308-7594-44ED-B5BF-2F6749FB3F67}"/>
+              </a:ext>
+            </a:extLst>
+          </p:cNvPr>
+          <p:cNvCxnSpPr>
+            <a:cxnSpLocks/>
+            <a:stCxn id="86" idx="2"/>
+          </p:cNvCxnSpPr>
+          <p:nvPr/>
+        </p:nvCxnSpPr>
+        <p:spPr>
+          <a:xfrm flipH="1">
+            <a:off x="10336581" y="1680061"/>
+            <a:ext cx="3646" cy="325349"/>
+          </a:xfrm>
+          <a:prstGeom prst="line">
+            <a:avLst/>
+          </a:prstGeom>
+          <a:ln w="12700">
+            <a:solidFill>
+              <a:schemeClr val="tx1"/>
+            </a:solidFill>
+            <a:tailEnd type="triangle"/>
+          </a:ln>
+        </p:spPr>
+        <p:style>
+          <a:lnRef idx="1">
+            <a:schemeClr val="accent1"/>
+          </a:lnRef>
+          <a:fillRef idx="0">
+            <a:schemeClr val="accent1"/>
+          </a:fillRef>
+          <a:effectRef idx="0">
+            <a:schemeClr val="accent1"/>
+          </a:effectRef>
+          <a:fontRef idx="minor">
+            <a:schemeClr val="tx1"/>
+          </a:fontRef>
+        </p:style>
+      </p:cxnSp>
+      <p:sp>
+        <p:nvSpPr>
+          <p:cNvPr id="86" name="TextBox 85">
+            <a:extLst>
+              <a:ext uri="{FF2B5EF4-FFF2-40B4-BE49-F238E27FC236}">
+                <a16:creationId xmlns:a16="http://schemas.microsoft.com/office/drawing/2014/main" id="{1A39B469-B07C-44E5-8866-4E115E25340F}"/>
+              </a:ext>
+            </a:extLst>
+          </p:cNvPr>
+          <p:cNvSpPr txBox="1"/>
+          <p:nvPr/>
+        </p:nvSpPr>
+        <p:spPr>
+          <a:xfrm>
+            <a:off x="9788252" y="1033730"/>
+            <a:ext cx="1103950" cy="646331"/>
+          </a:xfrm>
+          <a:prstGeom prst="rect">
+            <a:avLst/>
+          </a:prstGeom>
+          <a:noFill/>
+        </p:spPr>
+        <p:txBody>
+          <a:bodyPr wrap="square" lIns="91440" tIns="45720" rIns="91440" bIns="45720" rtlCol="0">
+            <a:spAutoFit/>
+          </a:bodyPr>
+          <a:lstStyle/>
+          <a:p>
+            <a:pPr algn="ctr"/>
+            <a:r>
+              <a:rPr lang="en-US" sz="1800" dirty="0"/>
+              <a:t>lab2or5 switch(2)</a:t>
+            </a:r>
+          </a:p>
+        </p:txBody>
+      </p:sp>
+      <p:sp>
+        <p:nvSpPr>
+          <p:cNvPr id="87" name="TextBox 86">
+            <a:extLst>
+              <a:ext uri="{FF2B5EF4-FFF2-40B4-BE49-F238E27FC236}">
+                <a16:creationId xmlns:a16="http://schemas.microsoft.com/office/drawing/2014/main" id="{E14348DE-E1CD-4BA2-9543-3AD07311FA7A}"/>
+              </a:ext>
+            </a:extLst>
+          </p:cNvPr>
+          <p:cNvSpPr txBox="1"/>
+          <p:nvPr/>
+        </p:nvSpPr>
+        <p:spPr>
+          <a:xfrm>
+            <a:off x="11057000" y="1048516"/>
+            <a:ext cx="1411338" cy="646331"/>
+          </a:xfrm>
+          <a:prstGeom prst="rect">
+            <a:avLst/>
+          </a:prstGeom>
+          <a:noFill/>
+        </p:spPr>
+        <p:txBody>
+          <a:bodyPr wrap="square" lIns="91440" tIns="45720" rIns="91440" bIns="45720" rtlCol="0">
+            <a:spAutoFit/>
+          </a:bodyPr>
+          <a:lstStyle/>
+          <a:p>
+            <a:pPr algn="ctr"/>
+            <a:r>
+              <a:rPr lang="en-US" sz="1800" dirty="0"/>
+              <a:t>ch1_enable switch(0)</a:t>
+            </a:r>
+          </a:p>
+        </p:txBody>
+      </p:sp>
+      <p:sp>
+        <p:nvSpPr>
+          <p:cNvPr id="88" name="TextBox 87">
+            <a:extLst>
+              <a:ext uri="{FF2B5EF4-FFF2-40B4-BE49-F238E27FC236}">
+                <a16:creationId xmlns:a16="http://schemas.microsoft.com/office/drawing/2014/main" id="{FE1AFFCB-3A0D-4D7C-AE3D-535CD4F76509}"/>
+              </a:ext>
+            </a:extLst>
+          </p:cNvPr>
+          <p:cNvSpPr txBox="1"/>
+          <p:nvPr/>
+        </p:nvSpPr>
+        <p:spPr>
+          <a:xfrm>
+            <a:off x="12412643" y="1040056"/>
+            <a:ext cx="1411338" cy="646331"/>
+          </a:xfrm>
+          <a:prstGeom prst="rect">
+            <a:avLst/>
+          </a:prstGeom>
+          <a:noFill/>
+        </p:spPr>
+        <p:txBody>
+          <a:bodyPr wrap="square" lIns="91440" tIns="45720" rIns="91440" bIns="45720" rtlCol="0">
+            <a:spAutoFit/>
+          </a:bodyPr>
+          <a:lstStyle/>
+          <a:p>
+            <a:pPr algn="ctr"/>
+            <a:r>
+              <a:rPr lang="en-US" sz="1800" dirty="0"/>
+              <a:t>ch2_enable switch(1)</a:t>
+            </a:r>
+          </a:p>
+        </p:txBody>
+      </p:sp>
+      <p:cxnSp>
+        <p:nvCxnSpPr>
+          <p:cNvPr id="89" name="Straight Connector 88">
+            <a:extLst>
+              <a:ext uri="{FF2B5EF4-FFF2-40B4-BE49-F238E27FC236}">
+                <a16:creationId xmlns:a16="http://schemas.microsoft.com/office/drawing/2014/main" id="{D41635B7-BF3F-44F3-B21E-F279FD9F4DDE}"/>
+              </a:ext>
+            </a:extLst>
+          </p:cNvPr>
+          <p:cNvCxnSpPr/>
+          <p:nvPr/>
+        </p:nvCxnSpPr>
+        <p:spPr>
+          <a:xfrm>
+            <a:off x="11682622" y="1671405"/>
+            <a:ext cx="3646" cy="349029"/>
+          </a:xfrm>
+          <a:prstGeom prst="line">
+            <a:avLst/>
+          </a:prstGeom>
+          <a:ln w="12700">
+            <a:solidFill>
+              <a:schemeClr val="tx1"/>
+            </a:solidFill>
+            <a:tailEnd type="triangle"/>
+          </a:ln>
+        </p:spPr>
+        <p:style>
+          <a:lnRef idx="1">
+            <a:schemeClr val="accent1"/>
+          </a:lnRef>
+          <a:fillRef idx="0">
+            <a:schemeClr val="accent1"/>
+          </a:fillRef>
+          <a:effectRef idx="0">
+            <a:schemeClr val="accent1"/>
+          </a:effectRef>
+          <a:fontRef idx="minor">
+            <a:schemeClr val="tx1"/>
+          </a:fontRef>
+        </p:style>
+      </p:cxnSp>
+      <p:cxnSp>
+        <p:nvCxnSpPr>
+          <p:cNvPr id="90" name="Straight Connector 89">
+            <a:extLst>
+              <a:ext uri="{FF2B5EF4-FFF2-40B4-BE49-F238E27FC236}">
+                <a16:creationId xmlns:a16="http://schemas.microsoft.com/office/drawing/2014/main" id="{E4979182-CED1-4751-A55E-9BFA732EC249}"/>
+              </a:ext>
+            </a:extLst>
+          </p:cNvPr>
+          <p:cNvCxnSpPr/>
+          <p:nvPr/>
+        </p:nvCxnSpPr>
+        <p:spPr>
+          <a:xfrm>
+            <a:off x="13028663" y="1637521"/>
+            <a:ext cx="3646" cy="349029"/>
+          </a:xfrm>
+          <a:prstGeom prst="line">
+            <a:avLst/>
+          </a:prstGeom>
+          <a:ln w="12700">
+            <a:solidFill>
+              <a:schemeClr val="tx1"/>
+            </a:solidFill>
+            <a:tailEnd type="triangle"/>
+          </a:ln>
+        </p:spPr>
+        <p:style>
+          <a:lnRef idx="1">
+            <a:schemeClr val="accent1"/>
+          </a:lnRef>
+          <a:fillRef idx="0">
+            <a:schemeClr val="accent1"/>
+          </a:fillRef>
+          <a:effectRef idx="0">
+            <a:schemeClr val="accent1"/>
+          </a:effectRef>
+          <a:fontRef idx="minor">
+            <a:schemeClr val="tx1"/>
+          </a:fontRef>
+        </p:style>
+      </p:cxnSp>
+      <p:cxnSp>
+        <p:nvCxnSpPr>
+          <p:cNvPr id="91" name="Straight Connector 90">
+            <a:extLst>
+              <a:ext uri="{FF2B5EF4-FFF2-40B4-BE49-F238E27FC236}">
+                <a16:creationId xmlns:a16="http://schemas.microsoft.com/office/drawing/2014/main" id="{6DC71DD8-6A99-4584-8ECE-D54C02381157}"/>
+              </a:ext>
+            </a:extLst>
+          </p:cNvPr>
+          <p:cNvCxnSpPr>
+            <a:cxnSpLocks/>
+            <a:stCxn id="92" idx="2"/>
+          </p:cNvCxnSpPr>
+          <p:nvPr/>
+        </p:nvCxnSpPr>
+        <p:spPr>
+          <a:xfrm>
+            <a:off x="8984584" y="1468420"/>
+            <a:ext cx="5956" cy="544093"/>
+          </a:xfrm>
+          <a:prstGeom prst="line">
+            <a:avLst/>
+          </a:prstGeom>
+          <a:ln w="12700">
+            <a:solidFill>
+              <a:schemeClr val="tx1"/>
+            </a:solidFill>
+            <a:tailEnd type="triangle"/>
+          </a:ln>
+        </p:spPr>
+        <p:style>
+          <a:lnRef idx="1">
+            <a:schemeClr val="accent1"/>
+          </a:lnRef>
+          <a:fillRef idx="0">
+            <a:schemeClr val="accent1"/>
+          </a:fillRef>
+          <a:effectRef idx="0">
+            <a:schemeClr val="accent1"/>
+          </a:effectRef>
+          <a:fontRef idx="minor">
+            <a:schemeClr val="tx1"/>
+          </a:fontRef>
+        </p:style>
+      </p:cxnSp>
+      <p:sp>
+        <p:nvSpPr>
+          <p:cNvPr id="92" name="TextBox 91">
+            <a:extLst>
+              <a:ext uri="{FF2B5EF4-FFF2-40B4-BE49-F238E27FC236}">
+                <a16:creationId xmlns:a16="http://schemas.microsoft.com/office/drawing/2014/main" id="{93A2BB9C-CC5A-4A3D-86E8-9355A5AA9F72}"/>
+              </a:ext>
+            </a:extLst>
+          </p:cNvPr>
+          <p:cNvSpPr txBox="1"/>
+          <p:nvPr/>
+        </p:nvSpPr>
+        <p:spPr>
+          <a:xfrm>
+            <a:off x="8432609" y="1099088"/>
+            <a:ext cx="1103950" cy="369332"/>
+          </a:xfrm>
+          <a:prstGeom prst="rect">
+            <a:avLst/>
+          </a:prstGeom>
+          <a:noFill/>
+        </p:spPr>
+        <p:txBody>
+          <a:bodyPr wrap="square" lIns="91440" tIns="45720" rIns="91440" bIns="45720" rtlCol="0">
+            <a:spAutoFit/>
+          </a:bodyPr>
+          <a:lstStyle/>
+          <a:p>
+            <a:pPr algn="ctr"/>
+            <a:r>
+              <a:rPr lang="en-US" sz="1800" dirty="0"/>
+              <a:t>‘0’</a:t>
+            </a:r>
+          </a:p>
+        </p:txBody>
+      </p:sp>
+      <p:sp>
+        <p:nvSpPr>
+          <p:cNvPr id="94" name="TextBox 93">
+            <a:extLst>
+              <a:ext uri="{FF2B5EF4-FFF2-40B4-BE49-F238E27FC236}">
+                <a16:creationId xmlns:a16="http://schemas.microsoft.com/office/drawing/2014/main" id="{DD8F705B-8816-4267-8F3D-7453AB745065}"/>
+              </a:ext>
+            </a:extLst>
+          </p:cNvPr>
+          <p:cNvSpPr txBox="1"/>
+          <p:nvPr/>
+        </p:nvSpPr>
+        <p:spPr>
+          <a:xfrm>
+            <a:off x="8486984" y="1999162"/>
+            <a:ext cx="1103950" cy="369332"/>
+          </a:xfrm>
+          <a:prstGeom prst="rect">
+            <a:avLst/>
+          </a:prstGeom>
+          <a:noFill/>
+        </p:spPr>
+        <p:txBody>
+          <a:bodyPr wrap="square" lIns="91440" tIns="45720" rIns="91440" bIns="45720" rtlCol="0">
+            <a:spAutoFit/>
+          </a:bodyPr>
+          <a:lstStyle/>
+          <a:p>
+            <a:pPr algn="ctr"/>
+            <a:r>
+              <a:rPr lang="en-US" sz="1800" dirty="0" err="1"/>
+              <a:t>exSel</a:t>
+            </a:r>
+            <a:endParaRPr lang="en-US" sz="1800" dirty="0"/>
+          </a:p>
+        </p:txBody>
+      </p:sp>
+      <p:cxnSp>
+        <p:nvCxnSpPr>
+          <p:cNvPr id="95" name="Straight Connector 94">
+            <a:extLst>
+              <a:ext uri="{FF2B5EF4-FFF2-40B4-BE49-F238E27FC236}">
+                <a16:creationId xmlns:a16="http://schemas.microsoft.com/office/drawing/2014/main" id="{BB701319-7032-4E77-A3BC-E47E51D588F0}"/>
+              </a:ext>
+            </a:extLst>
+          </p:cNvPr>
+          <p:cNvCxnSpPr>
+            <a:cxnSpLocks/>
+            <a:stCxn id="96" idx="2"/>
+          </p:cNvCxnSpPr>
+          <p:nvPr/>
+        </p:nvCxnSpPr>
+        <p:spPr>
+          <a:xfrm flipH="1">
+            <a:off x="4530495" y="1671405"/>
+            <a:ext cx="3646" cy="325349"/>
+          </a:xfrm>
+          <a:prstGeom prst="line">
+            <a:avLst/>
+          </a:prstGeom>
+          <a:ln w="12700">
+            <a:solidFill>
+              <a:schemeClr val="tx1"/>
+            </a:solidFill>
+            <a:tailEnd type="triangle"/>
+          </a:ln>
+        </p:spPr>
+        <p:style>
+          <a:lnRef idx="1">
+            <a:schemeClr val="accent1"/>
+          </a:lnRef>
+          <a:fillRef idx="0">
+            <a:schemeClr val="accent1"/>
+          </a:fillRef>
+          <a:effectRef idx="0">
+            <a:schemeClr val="accent1"/>
+          </a:effectRef>
+          <a:fontRef idx="minor">
+            <a:schemeClr val="tx1"/>
+          </a:fontRef>
+        </p:style>
+      </p:cxnSp>
+      <p:sp>
+        <p:nvSpPr>
+          <p:cNvPr id="96" name="TextBox 95">
+            <a:extLst>
+              <a:ext uri="{FF2B5EF4-FFF2-40B4-BE49-F238E27FC236}">
+                <a16:creationId xmlns:a16="http://schemas.microsoft.com/office/drawing/2014/main" id="{04D8709F-9862-4FEC-97D4-1545298650E0}"/>
+              </a:ext>
+            </a:extLst>
+          </p:cNvPr>
+          <p:cNvSpPr txBox="1"/>
+          <p:nvPr/>
+        </p:nvSpPr>
+        <p:spPr>
+          <a:xfrm>
+            <a:off x="3982166" y="1025074"/>
+            <a:ext cx="1103950" cy="646331"/>
+          </a:xfrm>
+          <a:prstGeom prst="rect">
+            <a:avLst/>
+          </a:prstGeom>
+          <a:noFill/>
+        </p:spPr>
+        <p:txBody>
+          <a:bodyPr wrap="square" lIns="91440" tIns="45720" rIns="91440" bIns="45720" rtlCol="0">
+            <a:spAutoFit/>
+          </a:bodyPr>
+          <a:lstStyle/>
+          <a:p>
+            <a:pPr algn="ctr"/>
+            <a:r>
+              <a:rPr lang="en-US" sz="1800" dirty="0" err="1"/>
+              <a:t>sim_live</a:t>
+            </a:r>
+            <a:r>
+              <a:rPr lang="en-US" sz="1800" dirty="0"/>
+              <a:t> switch(3)</a:t>
+            </a:r>
+          </a:p>
+        </p:txBody>
+      </p:sp>
+      <p:cxnSp>
+        <p:nvCxnSpPr>
+          <p:cNvPr id="97" name="Straight Connector 96">
+            <a:extLst>
+              <a:ext uri="{FF2B5EF4-FFF2-40B4-BE49-F238E27FC236}">
+                <a16:creationId xmlns:a16="http://schemas.microsoft.com/office/drawing/2014/main" id="{F941DC1A-C2C1-49CD-818B-CC908013783F}"/>
+              </a:ext>
+            </a:extLst>
+          </p:cNvPr>
+          <p:cNvCxnSpPr>
+            <a:endCxn id="98" idx="1"/>
+          </p:cNvCxnSpPr>
+          <p:nvPr/>
+        </p:nvCxnSpPr>
+        <p:spPr>
+          <a:xfrm>
+            <a:off x="507253" y="2252295"/>
+            <a:ext cx="740849" cy="0"/>
+          </a:xfrm>
+          <a:prstGeom prst="line">
+            <a:avLst/>
+          </a:prstGeom>
+          <a:ln w="38100">
+            <a:solidFill>
+              <a:schemeClr val="tx1"/>
+            </a:solidFill>
+            <a:tailEnd type="triangle"/>
+          </a:ln>
+        </p:spPr>
+        <p:style>
+          <a:lnRef idx="1">
+            <a:schemeClr val="accent1"/>
+          </a:lnRef>
+          <a:fillRef idx="0">
+            <a:schemeClr val="accent1"/>
+          </a:fillRef>
+          <a:effectRef idx="0">
+            <a:schemeClr val="accent1"/>
+          </a:effectRef>
+          <a:fontRef idx="minor">
+            <a:schemeClr val="tx1"/>
+          </a:fontRef>
+        </p:style>
+      </p:cxnSp>
+      <p:sp>
+        <p:nvSpPr>
+          <p:cNvPr id="98" name="TextBox 97">
+            <a:extLst>
+              <a:ext uri="{FF2B5EF4-FFF2-40B4-BE49-F238E27FC236}">
+                <a16:creationId xmlns:a16="http://schemas.microsoft.com/office/drawing/2014/main" id="{ACD8F608-ECF5-407A-AD43-354E85131B01}"/>
+              </a:ext>
+            </a:extLst>
+          </p:cNvPr>
+          <p:cNvSpPr txBox="1"/>
+          <p:nvPr/>
+        </p:nvSpPr>
+        <p:spPr>
+          <a:xfrm>
+            <a:off x="1248102" y="2067629"/>
+            <a:ext cx="759542" cy="369332"/>
+          </a:xfrm>
+          <a:prstGeom prst="rect">
+            <a:avLst/>
+          </a:prstGeom>
+          <a:noFill/>
+        </p:spPr>
+        <p:txBody>
+          <a:bodyPr wrap="square" lIns="91440" tIns="45720" rIns="91440" bIns="45720" rtlCol="0">
+            <a:spAutoFit/>
+          </a:bodyPr>
+          <a:lstStyle/>
+          <a:p>
+            <a:r>
+              <a:rPr lang="en-US" sz="1800" dirty="0" err="1"/>
+              <a:t>btn</a:t>
+            </a:r>
+            <a:endParaRPr lang="en-US" sz="1800" dirty="0"/>
+          </a:p>
+        </p:txBody>
+      </p:sp>
+      <p:sp>
+        <p:nvSpPr>
+          <p:cNvPr id="196" name="TextBox 195">
+            <a:extLst>
+              <a:ext uri="{FF2B5EF4-FFF2-40B4-BE49-F238E27FC236}">
+                <a16:creationId xmlns:a16="http://schemas.microsoft.com/office/drawing/2014/main" id="{ED4136EF-A9BF-4CAD-AA6F-106867D6676C}"/>
+              </a:ext>
+            </a:extLst>
+          </p:cNvPr>
+          <p:cNvSpPr txBox="1"/>
+          <p:nvPr/>
+        </p:nvSpPr>
+        <p:spPr>
+          <a:xfrm>
+            <a:off x="2124115" y="2167448"/>
+            <a:ext cx="2066822" cy="830997"/>
+          </a:xfrm>
+          <a:prstGeom prst="rect">
+            <a:avLst/>
+          </a:prstGeom>
+          <a:noFill/>
+        </p:spPr>
+        <p:txBody>
+          <a:bodyPr wrap="square" lIns="91440" tIns="45720" rIns="91440" bIns="45720" rtlCol="0">
+            <a:spAutoFit/>
+          </a:bodyPr>
+          <a:lstStyle/>
+          <a:p>
+            <a:pPr algn="ctr"/>
+            <a:r>
+              <a:rPr lang="en-US" sz="2400" b="1" dirty="0" err="1"/>
+              <a:t>Audio_Codec_Wrapper</a:t>
+            </a:r>
+            <a:endParaRPr lang="en-US" sz="2400" b="1" dirty="0"/>
+          </a:p>
+        </p:txBody>
+      </p:sp>
+      <p:cxnSp>
+        <p:nvCxnSpPr>
+          <p:cNvPr id="197" name="Straight Connector 196">
+            <a:extLst>
+              <a:ext uri="{FF2B5EF4-FFF2-40B4-BE49-F238E27FC236}">
+                <a16:creationId xmlns:a16="http://schemas.microsoft.com/office/drawing/2014/main" id="{175E664A-3CAC-4DC5-81DE-B95783BBCDE7}"/>
+              </a:ext>
+            </a:extLst>
+          </p:cNvPr>
+          <p:cNvCxnSpPr>
+            <a:cxnSpLocks/>
+            <a:stCxn id="198" idx="3"/>
+          </p:cNvCxnSpPr>
+          <p:nvPr/>
+        </p:nvCxnSpPr>
+        <p:spPr>
+          <a:xfrm flipV="1">
+            <a:off x="4611327" y="5002419"/>
+            <a:ext cx="482692" cy="1484"/>
+          </a:xfrm>
+          <a:prstGeom prst="line">
+            <a:avLst/>
+          </a:prstGeom>
+          <a:ln w="38100">
+            <a:solidFill>
+              <a:schemeClr val="tx1"/>
+            </a:solidFill>
+            <a:headEnd type="triangle"/>
+            <a:tailEnd type="none"/>
+          </a:ln>
+        </p:spPr>
+        <p:style>
+          <a:lnRef idx="1">
+            <a:schemeClr val="accent1"/>
+          </a:lnRef>
+          <a:fillRef idx="0">
+            <a:schemeClr val="accent1"/>
+          </a:fillRef>
+          <a:effectRef idx="0">
+            <a:schemeClr val="accent1"/>
+          </a:effectRef>
+          <a:fontRef idx="minor">
+            <a:schemeClr val="tx1"/>
+          </a:fontRef>
+        </p:style>
+      </p:cxnSp>
+      <p:sp>
+        <p:nvSpPr>
+          <p:cNvPr id="198" name="TextBox 197">
+            <a:extLst>
+              <a:ext uri="{FF2B5EF4-FFF2-40B4-BE49-F238E27FC236}">
+                <a16:creationId xmlns:a16="http://schemas.microsoft.com/office/drawing/2014/main" id="{F2AA2456-9AA1-4F91-B844-1DB55727934F}"/>
+              </a:ext>
+            </a:extLst>
+          </p:cNvPr>
+          <p:cNvSpPr txBox="1"/>
+          <p:nvPr/>
+        </p:nvSpPr>
+        <p:spPr>
+          <a:xfrm>
+            <a:off x="3477966" y="4820720"/>
+            <a:ext cx="1133361" cy="366365"/>
+          </a:xfrm>
+          <a:prstGeom prst="rect">
+            <a:avLst/>
+          </a:prstGeom>
+          <a:noFill/>
+        </p:spPr>
+        <p:txBody>
+          <a:bodyPr wrap="square" lIns="91440" tIns="45720" rIns="91440" bIns="45720" rtlCol="0">
+            <a:spAutoFit/>
+          </a:bodyPr>
+          <a:lstStyle/>
+          <a:p>
+            <a:pPr algn="r"/>
+            <a:r>
+              <a:rPr lang="en-US" sz="1800" dirty="0" err="1"/>
+              <a:t>L_bus_in</a:t>
+            </a:r>
+            <a:endParaRPr lang="en-US" sz="1800" dirty="0"/>
+          </a:p>
+        </p:txBody>
+      </p:sp>
+      <p:cxnSp>
+        <p:nvCxnSpPr>
+          <p:cNvPr id="199" name="Straight Connector 198">
+            <a:extLst>
+              <a:ext uri="{FF2B5EF4-FFF2-40B4-BE49-F238E27FC236}">
+                <a16:creationId xmlns:a16="http://schemas.microsoft.com/office/drawing/2014/main" id="{50A19F20-BDB6-4D07-B21B-160354FA1036}"/>
+              </a:ext>
+            </a:extLst>
+          </p:cNvPr>
+          <p:cNvCxnSpPr>
+            <a:cxnSpLocks/>
+            <a:stCxn id="200" idx="3"/>
+          </p:cNvCxnSpPr>
+          <p:nvPr/>
+        </p:nvCxnSpPr>
+        <p:spPr>
+          <a:xfrm>
+            <a:off x="4620744" y="5312142"/>
+            <a:ext cx="485150" cy="0"/>
+          </a:xfrm>
+          <a:prstGeom prst="line">
+            <a:avLst/>
+          </a:prstGeom>
+          <a:ln w="38100">
+            <a:solidFill>
+              <a:schemeClr val="tx1"/>
+            </a:solidFill>
+            <a:headEnd type="triangle"/>
+            <a:tailEnd type="none"/>
+          </a:ln>
+        </p:spPr>
+        <p:style>
+          <a:lnRef idx="1">
+            <a:schemeClr val="accent1"/>
+          </a:lnRef>
+          <a:fillRef idx="0">
+            <a:schemeClr val="accent1"/>
+          </a:fillRef>
+          <a:effectRef idx="0">
+            <a:schemeClr val="accent1"/>
+          </a:effectRef>
+          <a:fontRef idx="minor">
+            <a:schemeClr val="tx1"/>
+          </a:fontRef>
+        </p:style>
+      </p:cxnSp>
+      <p:sp>
+        <p:nvSpPr>
+          <p:cNvPr id="200" name="TextBox 199">
+            <a:extLst>
+              <a:ext uri="{FF2B5EF4-FFF2-40B4-BE49-F238E27FC236}">
+                <a16:creationId xmlns:a16="http://schemas.microsoft.com/office/drawing/2014/main" id="{676B980B-8078-4ACC-A0CF-45E9B2CAD295}"/>
+              </a:ext>
+            </a:extLst>
+          </p:cNvPr>
+          <p:cNvSpPr txBox="1"/>
+          <p:nvPr/>
+        </p:nvSpPr>
+        <p:spPr>
+          <a:xfrm>
+            <a:off x="3489841" y="5127476"/>
+            <a:ext cx="1130903" cy="369332"/>
+          </a:xfrm>
+          <a:prstGeom prst="rect">
+            <a:avLst/>
+          </a:prstGeom>
+          <a:noFill/>
+        </p:spPr>
+        <p:txBody>
+          <a:bodyPr wrap="square" lIns="91440" tIns="45720" rIns="91440" bIns="45720" rtlCol="0">
+            <a:spAutoFit/>
+          </a:bodyPr>
+          <a:lstStyle/>
+          <a:p>
+            <a:pPr algn="r"/>
+            <a:r>
+              <a:rPr lang="en-US" sz="1800" dirty="0" err="1"/>
+              <a:t>R_bus_in</a:t>
+            </a:r>
+            <a:endParaRPr lang="en-US" sz="1800" dirty="0"/>
+          </a:p>
+        </p:txBody>
+      </p:sp>
+      <p:cxnSp>
+        <p:nvCxnSpPr>
+          <p:cNvPr id="205" name="Straight Connector 204">
+            <a:extLst>
+              <a:ext uri="{FF2B5EF4-FFF2-40B4-BE49-F238E27FC236}">
+                <a16:creationId xmlns:a16="http://schemas.microsoft.com/office/drawing/2014/main" id="{D359D61A-3D2D-4456-919D-5D537FC520C9}"/>
+              </a:ext>
+            </a:extLst>
+          </p:cNvPr>
+          <p:cNvCxnSpPr>
+            <a:cxnSpLocks/>
+            <a:endCxn id="326" idx="1"/>
+          </p:cNvCxnSpPr>
+          <p:nvPr/>
+        </p:nvCxnSpPr>
+        <p:spPr>
+          <a:xfrm>
+            <a:off x="4633772" y="5631015"/>
+            <a:ext cx="1502060" cy="16844"/>
+          </a:xfrm>
+          <a:prstGeom prst="line">
+            <a:avLst/>
+          </a:prstGeom>
+          <a:ln w="38100">
+            <a:solidFill>
+              <a:schemeClr val="tx1"/>
+            </a:solidFill>
+            <a:tailEnd type="triangle"/>
+          </a:ln>
+        </p:spPr>
+        <p:style>
+          <a:lnRef idx="1">
+            <a:schemeClr val="accent1"/>
+          </a:lnRef>
+          <a:fillRef idx="0">
+            <a:schemeClr val="accent1"/>
+          </a:fillRef>
+          <a:effectRef idx="0">
+            <a:schemeClr val="accent1"/>
+          </a:effectRef>
+          <a:fontRef idx="minor">
+            <a:schemeClr val="tx1"/>
+          </a:fontRef>
+        </p:style>
+      </p:cxnSp>
+      <p:sp>
+        <p:nvSpPr>
+          <p:cNvPr id="208" name="TextBox 207">
+            <a:extLst>
+              <a:ext uri="{FF2B5EF4-FFF2-40B4-BE49-F238E27FC236}">
+                <a16:creationId xmlns:a16="http://schemas.microsoft.com/office/drawing/2014/main" id="{56086E13-0AA0-4020-88BF-4FCAC532007C}"/>
+              </a:ext>
+            </a:extLst>
+          </p:cNvPr>
+          <p:cNvSpPr txBox="1"/>
+          <p:nvPr/>
+        </p:nvSpPr>
+        <p:spPr>
+          <a:xfrm>
+            <a:off x="3395437" y="5433759"/>
+            <a:ext cx="1232715" cy="369332"/>
+          </a:xfrm>
+          <a:prstGeom prst="rect">
+            <a:avLst/>
+          </a:prstGeom>
+          <a:noFill/>
+        </p:spPr>
+        <p:txBody>
+          <a:bodyPr wrap="square" lIns="91440" tIns="45720" rIns="91440" bIns="45720" rtlCol="0">
+            <a:spAutoFit/>
+          </a:bodyPr>
+          <a:lstStyle/>
+          <a:p>
+            <a:pPr algn="r"/>
+            <a:r>
+              <a:rPr lang="en-US" sz="1800" dirty="0" err="1"/>
+              <a:t>L_bus_out</a:t>
+            </a:r>
+            <a:endParaRPr lang="en-US" sz="1800" dirty="0"/>
+          </a:p>
+        </p:txBody>
+      </p:sp>
+      <p:cxnSp>
+        <p:nvCxnSpPr>
+          <p:cNvPr id="211" name="Straight Connector 210">
+            <a:extLst>
+              <a:ext uri="{FF2B5EF4-FFF2-40B4-BE49-F238E27FC236}">
+                <a16:creationId xmlns:a16="http://schemas.microsoft.com/office/drawing/2014/main" id="{D852D61E-C734-4E17-85A0-303D07CE7590}"/>
+              </a:ext>
+            </a:extLst>
+          </p:cNvPr>
+          <p:cNvCxnSpPr/>
+          <p:nvPr/>
+        </p:nvCxnSpPr>
+        <p:spPr>
+          <a:xfrm>
+            <a:off x="4637569" y="5930894"/>
+            <a:ext cx="485150" cy="0"/>
+          </a:xfrm>
+          <a:prstGeom prst="line">
+            <a:avLst/>
+          </a:prstGeom>
+          <a:ln w="38100">
+            <a:solidFill>
+              <a:schemeClr val="tx1"/>
+            </a:solidFill>
+            <a:tailEnd type="triangle"/>
+          </a:ln>
+        </p:spPr>
+        <p:style>
+          <a:lnRef idx="1">
+            <a:schemeClr val="accent1"/>
+          </a:lnRef>
+          <a:fillRef idx="0">
+            <a:schemeClr val="accent1"/>
+          </a:fillRef>
+          <a:effectRef idx="0">
+            <a:schemeClr val="accent1"/>
+          </a:effectRef>
+          <a:fontRef idx="minor">
+            <a:schemeClr val="tx1"/>
+          </a:fontRef>
+        </p:style>
+      </p:cxnSp>
+      <p:sp>
+        <p:nvSpPr>
+          <p:cNvPr id="214" name="TextBox 213">
+            <a:extLst>
+              <a:ext uri="{FF2B5EF4-FFF2-40B4-BE49-F238E27FC236}">
+                <a16:creationId xmlns:a16="http://schemas.microsoft.com/office/drawing/2014/main" id="{D54AED92-FB2D-47CB-85D3-C8B4C0C7F33A}"/>
+              </a:ext>
+            </a:extLst>
+          </p:cNvPr>
+          <p:cNvSpPr txBox="1"/>
+          <p:nvPr/>
+        </p:nvSpPr>
+        <p:spPr>
+          <a:xfrm>
+            <a:off x="3407312" y="5740515"/>
+            <a:ext cx="1230257" cy="369332"/>
+          </a:xfrm>
+          <a:prstGeom prst="rect">
+            <a:avLst/>
+          </a:prstGeom>
+          <a:noFill/>
+        </p:spPr>
+        <p:txBody>
+          <a:bodyPr wrap="square" lIns="91440" tIns="45720" rIns="91440" bIns="45720" rtlCol="0">
+            <a:spAutoFit/>
+          </a:bodyPr>
+          <a:lstStyle/>
+          <a:p>
+            <a:pPr algn="r"/>
+            <a:r>
+              <a:rPr lang="en-US" sz="1800" dirty="0" err="1"/>
+              <a:t>R_bus_out</a:t>
+            </a:r>
+            <a:endParaRPr lang="en-US" sz="1800" dirty="0"/>
+          </a:p>
+        </p:txBody>
+      </p:sp>
+      <p:sp>
+        <p:nvSpPr>
+          <p:cNvPr id="215" name="TextBox 214">
+            <a:extLst>
+              <a:ext uri="{FF2B5EF4-FFF2-40B4-BE49-F238E27FC236}">
+                <a16:creationId xmlns:a16="http://schemas.microsoft.com/office/drawing/2014/main" id="{D18AFF91-49BD-4D40-BAE4-F204F5950A0E}"/>
+              </a:ext>
+            </a:extLst>
+          </p:cNvPr>
+          <p:cNvSpPr txBox="1"/>
+          <p:nvPr/>
+        </p:nvSpPr>
+        <p:spPr>
+          <a:xfrm>
+            <a:off x="7251219" y="5699116"/>
+            <a:ext cx="1338711" cy="369332"/>
+          </a:xfrm>
+          <a:prstGeom prst="rect">
+            <a:avLst/>
+          </a:prstGeom>
+          <a:noFill/>
+        </p:spPr>
+        <p:txBody>
+          <a:bodyPr wrap="square" lIns="91440" tIns="45720" rIns="91440" bIns="45720" rtlCol="0">
+            <a:spAutoFit/>
+          </a:bodyPr>
+          <a:lstStyle/>
+          <a:p>
+            <a:r>
+              <a:rPr lang="en-US" sz="1800" dirty="0" err="1"/>
+              <a:t>L_bus_out</a:t>
+            </a:r>
+            <a:endParaRPr lang="en-US" sz="1800" dirty="0"/>
+          </a:p>
+        </p:txBody>
+      </p:sp>
+      <p:cxnSp>
+        <p:nvCxnSpPr>
+          <p:cNvPr id="217" name="Straight Connector 216">
+            <a:extLst>
+              <a:ext uri="{FF2B5EF4-FFF2-40B4-BE49-F238E27FC236}">
+                <a16:creationId xmlns:a16="http://schemas.microsoft.com/office/drawing/2014/main" id="{956D25F8-BFD6-40DA-AA17-FF84CC57A833}"/>
+              </a:ext>
+            </a:extLst>
+          </p:cNvPr>
+          <p:cNvCxnSpPr/>
+          <p:nvPr/>
+        </p:nvCxnSpPr>
+        <p:spPr>
+          <a:xfrm>
+            <a:off x="4597257" y="4694171"/>
+            <a:ext cx="482693" cy="0"/>
+          </a:xfrm>
+          <a:prstGeom prst="line">
+            <a:avLst/>
+          </a:prstGeom>
+          <a:ln w="12700">
+            <a:solidFill>
+              <a:schemeClr val="tx1"/>
+            </a:solidFill>
+            <a:tailEnd type="triangle"/>
+          </a:ln>
+        </p:spPr>
+        <p:style>
+          <a:lnRef idx="1">
+            <a:schemeClr val="accent1"/>
+          </a:lnRef>
+          <a:fillRef idx="0">
+            <a:schemeClr val="accent1"/>
+          </a:fillRef>
+          <a:effectRef idx="0">
+            <a:schemeClr val="accent1"/>
+          </a:effectRef>
+          <a:fontRef idx="minor">
+            <a:schemeClr val="tx1"/>
+          </a:fontRef>
+        </p:style>
+      </p:cxnSp>
+      <p:sp>
+        <p:nvSpPr>
+          <p:cNvPr id="218" name="TextBox 217">
+            <a:extLst>
+              <a:ext uri="{FF2B5EF4-FFF2-40B4-BE49-F238E27FC236}">
+                <a16:creationId xmlns:a16="http://schemas.microsoft.com/office/drawing/2014/main" id="{9AB6F666-7A35-4DB5-BA75-9BAA2072A53D}"/>
+              </a:ext>
+            </a:extLst>
+          </p:cNvPr>
+          <p:cNvSpPr txBox="1"/>
+          <p:nvPr/>
+        </p:nvSpPr>
+        <p:spPr>
+          <a:xfrm>
+            <a:off x="3790656" y="4504685"/>
+            <a:ext cx="795260" cy="369332"/>
+          </a:xfrm>
+          <a:prstGeom prst="rect">
+            <a:avLst/>
+          </a:prstGeom>
+          <a:noFill/>
+        </p:spPr>
+        <p:txBody>
+          <a:bodyPr wrap="square" lIns="91440" tIns="45720" rIns="91440" bIns="45720" rtlCol="0">
+            <a:spAutoFit/>
+          </a:bodyPr>
+          <a:lstStyle/>
+          <a:p>
+            <a:pPr algn="r"/>
+            <a:r>
+              <a:rPr lang="en-US" sz="1800" dirty="0"/>
+              <a:t>ready</a:t>
+            </a:r>
+          </a:p>
+        </p:txBody>
+      </p:sp>
+      <p:cxnSp>
+        <p:nvCxnSpPr>
+          <p:cNvPr id="220" name="Straight Connector 219">
+            <a:extLst>
+              <a:ext uri="{FF2B5EF4-FFF2-40B4-BE49-F238E27FC236}">
+                <a16:creationId xmlns:a16="http://schemas.microsoft.com/office/drawing/2014/main" id="{FA2206C8-6DAB-418C-9A8F-94E3A2B33205}"/>
+              </a:ext>
+            </a:extLst>
+          </p:cNvPr>
+          <p:cNvCxnSpPr>
+            <a:stCxn id="221" idx="3"/>
+            <a:endCxn id="224" idx="1"/>
+          </p:cNvCxnSpPr>
+          <p:nvPr/>
+        </p:nvCxnSpPr>
+        <p:spPr>
+          <a:xfrm>
+            <a:off x="883609" y="3039423"/>
+            <a:ext cx="761422" cy="0"/>
+          </a:xfrm>
+          <a:prstGeom prst="line">
+            <a:avLst/>
+          </a:prstGeom>
+          <a:ln w="12700">
+            <a:solidFill>
+              <a:schemeClr val="tx1"/>
+            </a:solidFill>
+            <a:tailEnd type="triangle"/>
+          </a:ln>
+        </p:spPr>
+        <p:style>
+          <a:lnRef idx="1">
+            <a:schemeClr val="accent1"/>
+          </a:lnRef>
+          <a:fillRef idx="0">
+            <a:schemeClr val="accent1"/>
+          </a:fillRef>
+          <a:effectRef idx="0">
+            <a:schemeClr val="accent1"/>
+          </a:effectRef>
+          <a:fontRef idx="minor">
+            <a:schemeClr val="tx1"/>
+          </a:fontRef>
+        </p:style>
+      </p:cxnSp>
+      <p:sp>
+        <p:nvSpPr>
+          <p:cNvPr id="221" name="TextBox 220">
+            <a:extLst>
+              <a:ext uri="{FF2B5EF4-FFF2-40B4-BE49-F238E27FC236}">
+                <a16:creationId xmlns:a16="http://schemas.microsoft.com/office/drawing/2014/main" id="{30A551E3-AEE0-41A6-B018-41B82A784CF3}"/>
+              </a:ext>
+            </a:extLst>
+          </p:cNvPr>
+          <p:cNvSpPr txBox="1"/>
+          <p:nvPr/>
+        </p:nvSpPr>
+        <p:spPr>
+          <a:xfrm>
+            <a:off x="350209" y="2854757"/>
+            <a:ext cx="533400" cy="369332"/>
+          </a:xfrm>
+          <a:prstGeom prst="rect">
+            <a:avLst/>
+          </a:prstGeom>
+          <a:noFill/>
+        </p:spPr>
+        <p:txBody>
+          <a:bodyPr wrap="square" lIns="91440" tIns="45720" rIns="91440" bIns="45720" rtlCol="0">
+            <a:spAutoFit/>
+          </a:bodyPr>
+          <a:lstStyle/>
+          <a:p>
+            <a:pPr algn="r"/>
+            <a:r>
+              <a:rPr lang="en-US" sz="1800" dirty="0" err="1"/>
+              <a:t>clk</a:t>
+            </a:r>
+            <a:endParaRPr lang="en-US" sz="1800" dirty="0"/>
+          </a:p>
+        </p:txBody>
+      </p:sp>
+      <p:cxnSp>
+        <p:nvCxnSpPr>
+          <p:cNvPr id="222" name="Straight Connector 221">
+            <a:extLst>
+              <a:ext uri="{FF2B5EF4-FFF2-40B4-BE49-F238E27FC236}">
+                <a16:creationId xmlns:a16="http://schemas.microsoft.com/office/drawing/2014/main" id="{2FB82BFC-9FEA-40C0-9AA6-80B47472B4AC}"/>
+              </a:ext>
+            </a:extLst>
+          </p:cNvPr>
+          <p:cNvCxnSpPr>
+            <a:stCxn id="223" idx="3"/>
+            <a:endCxn id="225" idx="1"/>
+          </p:cNvCxnSpPr>
+          <p:nvPr/>
+        </p:nvCxnSpPr>
+        <p:spPr>
+          <a:xfrm>
+            <a:off x="881152" y="3319200"/>
+            <a:ext cx="763879" cy="0"/>
+          </a:xfrm>
+          <a:prstGeom prst="line">
+            <a:avLst/>
+          </a:prstGeom>
+          <a:ln w="12700">
+            <a:solidFill>
+              <a:schemeClr val="tx1"/>
+            </a:solidFill>
+            <a:tailEnd type="triangle"/>
+          </a:ln>
+        </p:spPr>
+        <p:style>
+          <a:lnRef idx="1">
+            <a:schemeClr val="accent1"/>
+          </a:lnRef>
+          <a:fillRef idx="0">
+            <a:schemeClr val="accent1"/>
+          </a:fillRef>
+          <a:effectRef idx="0">
+            <a:schemeClr val="accent1"/>
+          </a:effectRef>
+          <a:fontRef idx="minor">
+            <a:schemeClr val="tx1"/>
+          </a:fontRef>
+        </p:style>
+      </p:cxnSp>
+      <p:sp>
+        <p:nvSpPr>
+          <p:cNvPr id="223" name="TextBox 222">
+            <a:extLst>
+              <a:ext uri="{FF2B5EF4-FFF2-40B4-BE49-F238E27FC236}">
+                <a16:creationId xmlns:a16="http://schemas.microsoft.com/office/drawing/2014/main" id="{1036BA29-12E7-454E-8DBB-5AA748FBF58E}"/>
+              </a:ext>
+            </a:extLst>
+          </p:cNvPr>
+          <p:cNvSpPr txBox="1"/>
+          <p:nvPr/>
+        </p:nvSpPr>
+        <p:spPr>
+          <a:xfrm>
+            <a:off x="-161524" y="3134534"/>
+            <a:ext cx="1042676" cy="369332"/>
+          </a:xfrm>
+          <a:prstGeom prst="rect">
+            <a:avLst/>
+          </a:prstGeom>
+          <a:noFill/>
+        </p:spPr>
+        <p:txBody>
+          <a:bodyPr wrap="square" lIns="91440" tIns="45720" rIns="91440" bIns="45720" rtlCol="0">
+            <a:spAutoFit/>
+          </a:bodyPr>
+          <a:lstStyle/>
+          <a:p>
+            <a:pPr algn="r"/>
+            <a:r>
+              <a:rPr lang="en-US" sz="1800" dirty="0" err="1"/>
+              <a:t>reset_n</a:t>
+            </a:r>
+            <a:endParaRPr lang="en-US" sz="1800" dirty="0"/>
+          </a:p>
+        </p:txBody>
+      </p:sp>
+      <p:sp>
+        <p:nvSpPr>
+          <p:cNvPr id="224" name="TextBox 223">
+            <a:extLst>
+              <a:ext uri="{FF2B5EF4-FFF2-40B4-BE49-F238E27FC236}">
+                <a16:creationId xmlns:a16="http://schemas.microsoft.com/office/drawing/2014/main" id="{A8C7940C-D458-41B0-8344-DE7A4786D48E}"/>
+              </a:ext>
+            </a:extLst>
+          </p:cNvPr>
+          <p:cNvSpPr txBox="1"/>
+          <p:nvPr/>
+        </p:nvSpPr>
+        <p:spPr>
+          <a:xfrm>
+            <a:off x="1645031" y="2854757"/>
+            <a:ext cx="533400" cy="369332"/>
+          </a:xfrm>
+          <a:prstGeom prst="rect">
+            <a:avLst/>
+          </a:prstGeom>
+          <a:noFill/>
+        </p:spPr>
+        <p:txBody>
+          <a:bodyPr wrap="square" lIns="91440" tIns="45720" rIns="91440" bIns="45720" rtlCol="0">
+            <a:spAutoFit/>
+          </a:bodyPr>
+          <a:lstStyle/>
+          <a:p>
+            <a:r>
+              <a:rPr lang="en-US" sz="1800" dirty="0" err="1"/>
+              <a:t>clk</a:t>
+            </a:r>
+            <a:endParaRPr lang="en-US" sz="1800" dirty="0"/>
+          </a:p>
+        </p:txBody>
+      </p:sp>
+      <p:sp>
+        <p:nvSpPr>
+          <p:cNvPr id="225" name="TextBox 224">
+            <a:extLst>
+              <a:ext uri="{FF2B5EF4-FFF2-40B4-BE49-F238E27FC236}">
+                <a16:creationId xmlns:a16="http://schemas.microsoft.com/office/drawing/2014/main" id="{3D2CA968-33AC-49DA-9AD0-12895FC1AF13}"/>
+              </a:ext>
+            </a:extLst>
+          </p:cNvPr>
+          <p:cNvSpPr txBox="1"/>
+          <p:nvPr/>
+        </p:nvSpPr>
+        <p:spPr>
+          <a:xfrm>
+            <a:off x="1645031" y="3134534"/>
+            <a:ext cx="933610" cy="369332"/>
+          </a:xfrm>
+          <a:prstGeom prst="rect">
+            <a:avLst/>
+          </a:prstGeom>
+          <a:noFill/>
+        </p:spPr>
+        <p:txBody>
+          <a:bodyPr wrap="square" lIns="91440" tIns="45720" rIns="91440" bIns="45720" rtlCol="0">
+            <a:spAutoFit/>
+          </a:bodyPr>
+          <a:lstStyle/>
+          <a:p>
+            <a:r>
+              <a:rPr lang="en-US" sz="1800" dirty="0" err="1"/>
+              <a:t>reset_n</a:t>
+            </a:r>
+            <a:endParaRPr lang="en-US" sz="1800" dirty="0"/>
+          </a:p>
+        </p:txBody>
+      </p:sp>
+      <p:cxnSp>
+        <p:nvCxnSpPr>
+          <p:cNvPr id="226" name="Straight Connector 225">
+            <a:extLst>
+              <a:ext uri="{FF2B5EF4-FFF2-40B4-BE49-F238E27FC236}">
+                <a16:creationId xmlns:a16="http://schemas.microsoft.com/office/drawing/2014/main" id="{BE6136A1-8F75-4881-8361-DF6E6AE5EF42}"/>
+              </a:ext>
+            </a:extLst>
+          </p:cNvPr>
+          <p:cNvCxnSpPr>
+            <a:stCxn id="227" idx="3"/>
+            <a:endCxn id="228" idx="1"/>
+          </p:cNvCxnSpPr>
+          <p:nvPr/>
+        </p:nvCxnSpPr>
+        <p:spPr>
+          <a:xfrm>
+            <a:off x="876237" y="3576757"/>
+            <a:ext cx="763880" cy="0"/>
+          </a:xfrm>
+          <a:prstGeom prst="line">
+            <a:avLst/>
+          </a:prstGeom>
+          <a:ln w="12700">
+            <a:solidFill>
+              <a:schemeClr val="tx1"/>
+            </a:solidFill>
+            <a:tailEnd type="triangle"/>
+          </a:ln>
+        </p:spPr>
+        <p:style>
+          <a:lnRef idx="1">
+            <a:schemeClr val="accent1"/>
+          </a:lnRef>
+          <a:fillRef idx="0">
+            <a:schemeClr val="accent1"/>
+          </a:fillRef>
+          <a:effectRef idx="0">
+            <a:schemeClr val="accent1"/>
+          </a:effectRef>
+          <a:fontRef idx="minor">
+            <a:schemeClr val="tx1"/>
+          </a:fontRef>
+        </p:style>
+      </p:cxnSp>
+      <p:sp>
+        <p:nvSpPr>
+          <p:cNvPr id="227" name="TextBox 226">
+            <a:extLst>
+              <a:ext uri="{FF2B5EF4-FFF2-40B4-BE49-F238E27FC236}">
+                <a16:creationId xmlns:a16="http://schemas.microsoft.com/office/drawing/2014/main" id="{4DABAC36-9992-4348-91E0-FF69E45B69E4}"/>
+              </a:ext>
+            </a:extLst>
+          </p:cNvPr>
+          <p:cNvSpPr txBox="1"/>
+          <p:nvPr/>
+        </p:nvSpPr>
+        <p:spPr>
+          <a:xfrm>
+            <a:off x="116695" y="3392091"/>
+            <a:ext cx="759542" cy="369332"/>
+          </a:xfrm>
+          <a:prstGeom prst="rect">
+            <a:avLst/>
+          </a:prstGeom>
+          <a:noFill/>
+        </p:spPr>
+        <p:txBody>
+          <a:bodyPr wrap="square" lIns="91440" tIns="45720" rIns="91440" bIns="45720" rtlCol="0">
+            <a:spAutoFit/>
+          </a:bodyPr>
+          <a:lstStyle/>
+          <a:p>
+            <a:pPr algn="r"/>
+            <a:r>
+              <a:rPr lang="en-US" sz="1800" dirty="0"/>
+              <a:t>ctrl</a:t>
+            </a:r>
+          </a:p>
+        </p:txBody>
+      </p:sp>
+      <p:sp>
+        <p:nvSpPr>
+          <p:cNvPr id="228" name="TextBox 227">
+            <a:extLst>
+              <a:ext uri="{FF2B5EF4-FFF2-40B4-BE49-F238E27FC236}">
+                <a16:creationId xmlns:a16="http://schemas.microsoft.com/office/drawing/2014/main" id="{8358D104-6733-4BD4-92D3-58B1AC8A85DA}"/>
+              </a:ext>
+            </a:extLst>
+          </p:cNvPr>
+          <p:cNvSpPr txBox="1"/>
+          <p:nvPr/>
+        </p:nvSpPr>
+        <p:spPr>
+          <a:xfrm>
+            <a:off x="1640117" y="3392091"/>
+            <a:ext cx="759542" cy="369332"/>
+          </a:xfrm>
+          <a:prstGeom prst="rect">
+            <a:avLst/>
+          </a:prstGeom>
+          <a:noFill/>
+        </p:spPr>
+        <p:txBody>
+          <a:bodyPr wrap="square" lIns="91440" tIns="45720" rIns="91440" bIns="45720" rtlCol="0">
+            <a:spAutoFit/>
+          </a:bodyPr>
+          <a:lstStyle/>
+          <a:p>
+            <a:r>
+              <a:rPr lang="en-US" sz="1800" dirty="0"/>
+              <a:t>ctrl</a:t>
+            </a:r>
+          </a:p>
+        </p:txBody>
+      </p:sp>
+      <p:cxnSp>
+        <p:nvCxnSpPr>
+          <p:cNvPr id="232" name="Straight Connector 231">
+            <a:extLst>
+              <a:ext uri="{FF2B5EF4-FFF2-40B4-BE49-F238E27FC236}">
+                <a16:creationId xmlns:a16="http://schemas.microsoft.com/office/drawing/2014/main" id="{5D1F71CE-B302-4FD2-9934-D4AFB98B9C81}"/>
+              </a:ext>
+            </a:extLst>
+          </p:cNvPr>
+          <p:cNvCxnSpPr>
+            <a:stCxn id="233" idx="3"/>
+            <a:endCxn id="236" idx="1"/>
+          </p:cNvCxnSpPr>
+          <p:nvPr/>
+        </p:nvCxnSpPr>
+        <p:spPr>
+          <a:xfrm>
+            <a:off x="878659" y="3863847"/>
+            <a:ext cx="761421" cy="0"/>
+          </a:xfrm>
+          <a:prstGeom prst="line">
+            <a:avLst/>
+          </a:prstGeom>
+          <a:ln w="12700">
+            <a:solidFill>
+              <a:schemeClr val="tx1"/>
+            </a:solidFill>
+            <a:headEnd type="triangle"/>
+            <a:tailEnd type="none"/>
+          </a:ln>
+        </p:spPr>
+        <p:style>
+          <a:lnRef idx="1">
+            <a:schemeClr val="accent1"/>
+          </a:lnRef>
+          <a:fillRef idx="0">
+            <a:schemeClr val="accent1"/>
+          </a:fillRef>
+          <a:effectRef idx="0">
+            <a:schemeClr val="accent1"/>
+          </a:effectRef>
+          <a:fontRef idx="minor">
+            <a:schemeClr val="tx1"/>
+          </a:fontRef>
+        </p:style>
+      </p:cxnSp>
+      <p:sp>
+        <p:nvSpPr>
+          <p:cNvPr id="233" name="TextBox 232">
+            <a:extLst>
+              <a:ext uri="{FF2B5EF4-FFF2-40B4-BE49-F238E27FC236}">
+                <a16:creationId xmlns:a16="http://schemas.microsoft.com/office/drawing/2014/main" id="{EBB8EE09-A0D0-4817-A807-D2B0FDF4E6C5}"/>
+              </a:ext>
+            </a:extLst>
+          </p:cNvPr>
+          <p:cNvSpPr txBox="1"/>
+          <p:nvPr/>
+        </p:nvSpPr>
+        <p:spPr>
+          <a:xfrm>
+            <a:off x="-864149" y="3679181"/>
+            <a:ext cx="1742808" cy="369332"/>
+          </a:xfrm>
+          <a:prstGeom prst="rect">
+            <a:avLst/>
+          </a:prstGeom>
+          <a:noFill/>
+        </p:spPr>
+        <p:txBody>
+          <a:bodyPr wrap="square" lIns="91440" tIns="45720" rIns="91440" bIns="45720" rtlCol="0">
+            <a:spAutoFit/>
+          </a:bodyPr>
+          <a:lstStyle/>
+          <a:p>
+            <a:pPr algn="r"/>
+            <a:r>
+              <a:rPr lang="en-US" sz="1800" dirty="0" err="1"/>
+              <a:t>ac_mclk</a:t>
+            </a:r>
+            <a:endParaRPr lang="en-US" sz="1800" dirty="0"/>
+          </a:p>
+        </p:txBody>
+      </p:sp>
+      <p:cxnSp>
+        <p:nvCxnSpPr>
+          <p:cNvPr id="234" name="Straight Connector 233">
+            <a:extLst>
+              <a:ext uri="{FF2B5EF4-FFF2-40B4-BE49-F238E27FC236}">
+                <a16:creationId xmlns:a16="http://schemas.microsoft.com/office/drawing/2014/main" id="{07262475-1BB7-4DC4-81C3-A99B2495E088}"/>
+              </a:ext>
+            </a:extLst>
+          </p:cNvPr>
+          <p:cNvCxnSpPr>
+            <a:stCxn id="235" idx="3"/>
+            <a:endCxn id="237" idx="1"/>
+          </p:cNvCxnSpPr>
+          <p:nvPr/>
+        </p:nvCxnSpPr>
+        <p:spPr>
+          <a:xfrm>
+            <a:off x="876202" y="4143624"/>
+            <a:ext cx="763878" cy="0"/>
+          </a:xfrm>
+          <a:prstGeom prst="line">
+            <a:avLst/>
+          </a:prstGeom>
+          <a:ln w="12700">
+            <a:solidFill>
+              <a:schemeClr val="tx1"/>
+            </a:solidFill>
+            <a:tailEnd type="triangle"/>
+          </a:ln>
+        </p:spPr>
+        <p:style>
+          <a:lnRef idx="1">
+            <a:schemeClr val="accent1"/>
+          </a:lnRef>
+          <a:fillRef idx="0">
+            <a:schemeClr val="accent1"/>
+          </a:fillRef>
+          <a:effectRef idx="0">
+            <a:schemeClr val="accent1"/>
+          </a:effectRef>
+          <a:fontRef idx="minor">
+            <a:schemeClr val="tx1"/>
+          </a:fontRef>
+        </p:style>
+      </p:cxnSp>
+      <p:sp>
+        <p:nvSpPr>
+          <p:cNvPr id="235" name="TextBox 234">
+            <a:extLst>
+              <a:ext uri="{FF2B5EF4-FFF2-40B4-BE49-F238E27FC236}">
+                <a16:creationId xmlns:a16="http://schemas.microsoft.com/office/drawing/2014/main" id="{75D9F997-7F70-4D9E-BB93-EBD9B58F2EF9}"/>
+              </a:ext>
+            </a:extLst>
+          </p:cNvPr>
+          <p:cNvSpPr txBox="1"/>
+          <p:nvPr/>
+        </p:nvSpPr>
+        <p:spPr>
+          <a:xfrm>
+            <a:off x="-864149" y="3958958"/>
+            <a:ext cx="1740351" cy="369332"/>
+          </a:xfrm>
+          <a:prstGeom prst="rect">
+            <a:avLst/>
+          </a:prstGeom>
+          <a:noFill/>
+        </p:spPr>
+        <p:txBody>
+          <a:bodyPr wrap="square" lIns="91440" tIns="45720" rIns="91440" bIns="45720" rtlCol="0">
+            <a:spAutoFit/>
+          </a:bodyPr>
+          <a:lstStyle/>
+          <a:p>
+            <a:pPr algn="r"/>
+            <a:r>
+              <a:rPr lang="en-US" sz="1800" dirty="0" err="1"/>
+              <a:t>ac_adc_sdata</a:t>
+            </a:r>
+            <a:endParaRPr lang="en-US" sz="1800" dirty="0"/>
+          </a:p>
+        </p:txBody>
+      </p:sp>
+      <p:sp>
+        <p:nvSpPr>
+          <p:cNvPr id="236" name="TextBox 235">
+            <a:extLst>
+              <a:ext uri="{FF2B5EF4-FFF2-40B4-BE49-F238E27FC236}">
+                <a16:creationId xmlns:a16="http://schemas.microsoft.com/office/drawing/2014/main" id="{1A62C80D-D97D-45D2-AD00-BF675C4B4BA5}"/>
+              </a:ext>
+            </a:extLst>
+          </p:cNvPr>
+          <p:cNvSpPr txBox="1"/>
+          <p:nvPr/>
+        </p:nvSpPr>
+        <p:spPr>
+          <a:xfrm>
+            <a:off x="1640080" y="3679181"/>
+            <a:ext cx="1837398" cy="369332"/>
+          </a:xfrm>
+          <a:prstGeom prst="rect">
+            <a:avLst/>
+          </a:prstGeom>
+          <a:noFill/>
+        </p:spPr>
+        <p:txBody>
+          <a:bodyPr wrap="square" lIns="91440" tIns="45720" rIns="91440" bIns="45720" rtlCol="0">
+            <a:spAutoFit/>
+          </a:bodyPr>
+          <a:lstStyle/>
+          <a:p>
+            <a:r>
+              <a:rPr lang="en-US" sz="1800" dirty="0" err="1"/>
+              <a:t>ac_mclk</a:t>
+            </a:r>
+            <a:endParaRPr lang="en-US" sz="1800" dirty="0"/>
+          </a:p>
+        </p:txBody>
+      </p:sp>
+      <p:sp>
+        <p:nvSpPr>
+          <p:cNvPr id="237" name="TextBox 236">
+            <a:extLst>
+              <a:ext uri="{FF2B5EF4-FFF2-40B4-BE49-F238E27FC236}">
+                <a16:creationId xmlns:a16="http://schemas.microsoft.com/office/drawing/2014/main" id="{F490FDAE-172A-49DA-AE3A-9506CFBE23FC}"/>
+              </a:ext>
+            </a:extLst>
+          </p:cNvPr>
+          <p:cNvSpPr txBox="1"/>
+          <p:nvPr/>
+        </p:nvSpPr>
+        <p:spPr>
+          <a:xfrm>
+            <a:off x="1640080" y="3958958"/>
+            <a:ext cx="2070250" cy="369332"/>
+          </a:xfrm>
+          <a:prstGeom prst="rect">
+            <a:avLst/>
+          </a:prstGeom>
+          <a:noFill/>
+        </p:spPr>
+        <p:txBody>
+          <a:bodyPr wrap="square" lIns="91440" tIns="45720" rIns="91440" bIns="45720" rtlCol="0">
+            <a:spAutoFit/>
+          </a:bodyPr>
+          <a:lstStyle/>
+          <a:p>
+            <a:r>
+              <a:rPr lang="en-US" sz="1800" dirty="0" err="1"/>
+              <a:t>ac_adc_sdata</a:t>
+            </a:r>
+            <a:r>
+              <a:rPr lang="en-US" sz="1800" dirty="0"/>
+              <a:t>(In)</a:t>
+            </a:r>
+          </a:p>
+        </p:txBody>
+      </p:sp>
+      <p:cxnSp>
+        <p:nvCxnSpPr>
+          <p:cNvPr id="238" name="Straight Connector 237">
+            <a:extLst>
+              <a:ext uri="{FF2B5EF4-FFF2-40B4-BE49-F238E27FC236}">
+                <a16:creationId xmlns:a16="http://schemas.microsoft.com/office/drawing/2014/main" id="{81924D14-4F69-469F-BC14-D6F69B417D96}"/>
+              </a:ext>
+            </a:extLst>
+          </p:cNvPr>
+          <p:cNvCxnSpPr>
+            <a:stCxn id="239" idx="3"/>
+            <a:endCxn id="240" idx="1"/>
+          </p:cNvCxnSpPr>
+          <p:nvPr/>
+        </p:nvCxnSpPr>
+        <p:spPr>
+          <a:xfrm>
+            <a:off x="883162" y="4401181"/>
+            <a:ext cx="752004" cy="0"/>
+          </a:xfrm>
+          <a:prstGeom prst="line">
+            <a:avLst/>
+          </a:prstGeom>
+          <a:ln w="12700">
+            <a:solidFill>
+              <a:schemeClr val="tx1"/>
+            </a:solidFill>
+            <a:headEnd type="triangle"/>
+            <a:tailEnd type="none"/>
+          </a:ln>
+        </p:spPr>
+        <p:style>
+          <a:lnRef idx="1">
+            <a:schemeClr val="accent1"/>
+          </a:lnRef>
+          <a:fillRef idx="0">
+            <a:schemeClr val="accent1"/>
+          </a:fillRef>
+          <a:effectRef idx="0">
+            <a:schemeClr val="accent1"/>
+          </a:effectRef>
+          <a:fontRef idx="minor">
+            <a:schemeClr val="tx1"/>
+          </a:fontRef>
+        </p:style>
+      </p:cxnSp>
+      <p:sp>
+        <p:nvSpPr>
+          <p:cNvPr id="239" name="TextBox 238">
+            <a:extLst>
+              <a:ext uri="{FF2B5EF4-FFF2-40B4-BE49-F238E27FC236}">
+                <a16:creationId xmlns:a16="http://schemas.microsoft.com/office/drawing/2014/main" id="{85AF5077-0671-48E7-B991-418D6D622FEE}"/>
+              </a:ext>
+            </a:extLst>
+          </p:cNvPr>
+          <p:cNvSpPr txBox="1"/>
+          <p:nvPr/>
+        </p:nvSpPr>
+        <p:spPr>
+          <a:xfrm>
+            <a:off x="-852274" y="4216515"/>
+            <a:ext cx="1735436" cy="369332"/>
+          </a:xfrm>
+          <a:prstGeom prst="rect">
+            <a:avLst/>
+          </a:prstGeom>
+          <a:noFill/>
+        </p:spPr>
+        <p:txBody>
+          <a:bodyPr wrap="square" lIns="91440" tIns="45720" rIns="91440" bIns="45720" rtlCol="0">
+            <a:spAutoFit/>
+          </a:bodyPr>
+          <a:lstStyle/>
+          <a:p>
+            <a:pPr algn="r"/>
+            <a:r>
+              <a:rPr lang="en-US" sz="1800" dirty="0" err="1"/>
+              <a:t>ac_dac_sdata</a:t>
+            </a:r>
+            <a:endParaRPr lang="en-US" sz="1800" dirty="0"/>
+          </a:p>
+        </p:txBody>
+      </p:sp>
+      <p:sp>
+        <p:nvSpPr>
+          <p:cNvPr id="240" name="TextBox 239">
+            <a:extLst>
+              <a:ext uri="{FF2B5EF4-FFF2-40B4-BE49-F238E27FC236}">
+                <a16:creationId xmlns:a16="http://schemas.microsoft.com/office/drawing/2014/main" id="{6D36ECBF-1E03-4DCA-A991-001CB3001A98}"/>
+              </a:ext>
+            </a:extLst>
+          </p:cNvPr>
+          <p:cNvSpPr txBox="1"/>
+          <p:nvPr/>
+        </p:nvSpPr>
+        <p:spPr>
+          <a:xfrm>
+            <a:off x="1635166" y="4216515"/>
+            <a:ext cx="2134839" cy="369332"/>
+          </a:xfrm>
+          <a:prstGeom prst="rect">
+            <a:avLst/>
+          </a:prstGeom>
+          <a:noFill/>
+        </p:spPr>
+        <p:txBody>
+          <a:bodyPr wrap="square" lIns="91440" tIns="45720" rIns="91440" bIns="45720" rtlCol="0">
+            <a:spAutoFit/>
+          </a:bodyPr>
+          <a:lstStyle/>
+          <a:p>
+            <a:r>
+              <a:rPr lang="en-US" sz="1800" dirty="0" err="1"/>
+              <a:t>ac_dac_sdata</a:t>
+            </a:r>
+            <a:r>
+              <a:rPr lang="en-US" sz="1800" dirty="0"/>
+              <a:t>(Out)</a:t>
+            </a:r>
+          </a:p>
+        </p:txBody>
+      </p:sp>
+      <p:cxnSp>
+        <p:nvCxnSpPr>
+          <p:cNvPr id="241" name="Straight Connector 240">
+            <a:extLst>
+              <a:ext uri="{FF2B5EF4-FFF2-40B4-BE49-F238E27FC236}">
+                <a16:creationId xmlns:a16="http://schemas.microsoft.com/office/drawing/2014/main" id="{5E0A6B3C-5A0E-4162-BF71-FDD34BB7E26A}"/>
+              </a:ext>
+            </a:extLst>
+          </p:cNvPr>
+          <p:cNvCxnSpPr>
+            <a:stCxn id="242" idx="3"/>
+            <a:endCxn id="243" idx="1"/>
+          </p:cNvCxnSpPr>
+          <p:nvPr/>
+        </p:nvCxnSpPr>
+        <p:spPr>
+          <a:xfrm>
+            <a:off x="878659" y="4682438"/>
+            <a:ext cx="761421" cy="0"/>
+          </a:xfrm>
+          <a:prstGeom prst="line">
+            <a:avLst/>
+          </a:prstGeom>
+          <a:ln w="12700">
+            <a:solidFill>
+              <a:schemeClr val="tx1"/>
+            </a:solidFill>
+            <a:headEnd type="triangle"/>
+            <a:tailEnd type="none"/>
+          </a:ln>
+        </p:spPr>
+        <p:style>
+          <a:lnRef idx="1">
+            <a:schemeClr val="accent1"/>
+          </a:lnRef>
+          <a:fillRef idx="0">
+            <a:schemeClr val="accent1"/>
+          </a:fillRef>
+          <a:effectRef idx="0">
+            <a:schemeClr val="accent1"/>
+          </a:effectRef>
+          <a:fontRef idx="minor">
+            <a:schemeClr val="tx1"/>
+          </a:fontRef>
+        </p:style>
+      </p:cxnSp>
+      <p:sp>
+        <p:nvSpPr>
+          <p:cNvPr id="242" name="TextBox 241">
+            <a:extLst>
+              <a:ext uri="{FF2B5EF4-FFF2-40B4-BE49-F238E27FC236}">
+                <a16:creationId xmlns:a16="http://schemas.microsoft.com/office/drawing/2014/main" id="{E5FCE117-CCD2-49C6-A422-916497215B3B}"/>
+              </a:ext>
+            </a:extLst>
+          </p:cNvPr>
+          <p:cNvSpPr txBox="1"/>
+          <p:nvPr/>
+        </p:nvSpPr>
+        <p:spPr>
+          <a:xfrm>
+            <a:off x="-864149" y="4497772"/>
+            <a:ext cx="1742808" cy="369332"/>
+          </a:xfrm>
+          <a:prstGeom prst="rect">
+            <a:avLst/>
+          </a:prstGeom>
+          <a:noFill/>
+        </p:spPr>
+        <p:txBody>
+          <a:bodyPr wrap="square" lIns="91440" tIns="45720" rIns="91440" bIns="45720" rtlCol="0">
+            <a:spAutoFit/>
+          </a:bodyPr>
+          <a:lstStyle/>
+          <a:p>
+            <a:pPr algn="r"/>
+            <a:r>
+              <a:rPr lang="en-US" sz="1800" dirty="0" err="1"/>
+              <a:t>ac_bclk</a:t>
+            </a:r>
+            <a:endParaRPr lang="en-US" sz="1800" dirty="0"/>
+          </a:p>
+        </p:txBody>
+      </p:sp>
+      <p:sp>
+        <p:nvSpPr>
+          <p:cNvPr id="243" name="TextBox 242">
+            <a:extLst>
+              <a:ext uri="{FF2B5EF4-FFF2-40B4-BE49-F238E27FC236}">
+                <a16:creationId xmlns:a16="http://schemas.microsoft.com/office/drawing/2014/main" id="{8C63ADE7-EBEF-42E4-A4BF-D45F77AD4FB9}"/>
+              </a:ext>
+            </a:extLst>
+          </p:cNvPr>
+          <p:cNvSpPr txBox="1"/>
+          <p:nvPr/>
+        </p:nvSpPr>
+        <p:spPr>
+          <a:xfrm>
+            <a:off x="1640080" y="4497772"/>
+            <a:ext cx="1837398" cy="369332"/>
+          </a:xfrm>
+          <a:prstGeom prst="rect">
+            <a:avLst/>
+          </a:prstGeom>
+          <a:noFill/>
+        </p:spPr>
+        <p:txBody>
+          <a:bodyPr wrap="square" lIns="91440" tIns="45720" rIns="91440" bIns="45720" rtlCol="0">
+            <a:spAutoFit/>
+          </a:bodyPr>
+          <a:lstStyle/>
+          <a:p>
+            <a:r>
+              <a:rPr lang="en-US" sz="1800" dirty="0" err="1"/>
+              <a:t>ac_bclk</a:t>
+            </a:r>
+            <a:endParaRPr lang="en-US" sz="1800" dirty="0"/>
+          </a:p>
+        </p:txBody>
+      </p:sp>
+      <p:cxnSp>
+        <p:nvCxnSpPr>
+          <p:cNvPr id="244" name="Straight Connector 243">
+            <a:extLst>
+              <a:ext uri="{FF2B5EF4-FFF2-40B4-BE49-F238E27FC236}">
+                <a16:creationId xmlns:a16="http://schemas.microsoft.com/office/drawing/2014/main" id="{B3D93DB4-FEB2-4A4C-A2E4-C23C92635196}"/>
+              </a:ext>
+            </a:extLst>
+          </p:cNvPr>
+          <p:cNvCxnSpPr>
+            <a:stCxn id="245" idx="3"/>
+            <a:endCxn id="246" idx="1"/>
+          </p:cNvCxnSpPr>
+          <p:nvPr/>
+        </p:nvCxnSpPr>
+        <p:spPr>
+          <a:xfrm>
+            <a:off x="890534" y="4958538"/>
+            <a:ext cx="761421" cy="0"/>
+          </a:xfrm>
+          <a:prstGeom prst="line">
+            <a:avLst/>
+          </a:prstGeom>
+          <a:ln w="12700">
+            <a:solidFill>
+              <a:schemeClr val="tx1"/>
+            </a:solidFill>
+            <a:headEnd type="triangle"/>
+            <a:tailEnd type="none"/>
+          </a:ln>
+        </p:spPr>
+        <p:style>
+          <a:lnRef idx="1">
+            <a:schemeClr val="accent1"/>
+          </a:lnRef>
+          <a:fillRef idx="0">
+            <a:schemeClr val="accent1"/>
+          </a:fillRef>
+          <a:effectRef idx="0">
+            <a:schemeClr val="accent1"/>
+          </a:effectRef>
+          <a:fontRef idx="minor">
+            <a:schemeClr val="tx1"/>
+          </a:fontRef>
+        </p:style>
+      </p:cxnSp>
+      <p:sp>
+        <p:nvSpPr>
+          <p:cNvPr id="245" name="TextBox 244">
+            <a:extLst>
+              <a:ext uri="{FF2B5EF4-FFF2-40B4-BE49-F238E27FC236}">
+                <a16:creationId xmlns:a16="http://schemas.microsoft.com/office/drawing/2014/main" id="{B72443CD-1342-4EE6-B37A-1B83FC6FB297}"/>
+              </a:ext>
+            </a:extLst>
+          </p:cNvPr>
+          <p:cNvSpPr txBox="1"/>
+          <p:nvPr/>
+        </p:nvSpPr>
+        <p:spPr>
+          <a:xfrm>
+            <a:off x="-852274" y="4773872"/>
+            <a:ext cx="1742808" cy="369332"/>
+          </a:xfrm>
+          <a:prstGeom prst="rect">
+            <a:avLst/>
+          </a:prstGeom>
+          <a:noFill/>
+        </p:spPr>
+        <p:txBody>
+          <a:bodyPr wrap="square" lIns="91440" tIns="45720" rIns="91440" bIns="45720" rtlCol="0">
+            <a:spAutoFit/>
+          </a:bodyPr>
+          <a:lstStyle/>
+          <a:p>
+            <a:pPr algn="r"/>
+            <a:r>
+              <a:rPr lang="en-US" sz="1800" dirty="0" err="1"/>
+              <a:t>ac_lrclk</a:t>
+            </a:r>
+            <a:endParaRPr lang="en-US" sz="1800" dirty="0"/>
+          </a:p>
+        </p:txBody>
+      </p:sp>
+      <p:sp>
+        <p:nvSpPr>
+          <p:cNvPr id="246" name="TextBox 245">
+            <a:extLst>
+              <a:ext uri="{FF2B5EF4-FFF2-40B4-BE49-F238E27FC236}">
+                <a16:creationId xmlns:a16="http://schemas.microsoft.com/office/drawing/2014/main" id="{C1E5240A-25EA-4BC3-AC64-C933415F436A}"/>
+              </a:ext>
+            </a:extLst>
+          </p:cNvPr>
+          <p:cNvSpPr txBox="1"/>
+          <p:nvPr/>
+        </p:nvSpPr>
+        <p:spPr>
+          <a:xfrm>
+            <a:off x="1651955" y="4773872"/>
+            <a:ext cx="1837398" cy="369332"/>
+          </a:xfrm>
+          <a:prstGeom prst="rect">
+            <a:avLst/>
+          </a:prstGeom>
+          <a:noFill/>
+        </p:spPr>
+        <p:txBody>
+          <a:bodyPr wrap="square" lIns="91440" tIns="45720" rIns="91440" bIns="45720" rtlCol="0">
+            <a:spAutoFit/>
+          </a:bodyPr>
+          <a:lstStyle/>
+          <a:p>
+            <a:r>
+              <a:rPr lang="en-US" sz="1800" dirty="0" err="1"/>
+              <a:t>ac_lrclk</a:t>
+            </a:r>
+            <a:endParaRPr lang="en-US" sz="1800" dirty="0"/>
+          </a:p>
+        </p:txBody>
+      </p:sp>
+      <p:cxnSp>
+        <p:nvCxnSpPr>
+          <p:cNvPr id="247" name="Straight Connector 246">
+            <a:extLst>
+              <a:ext uri="{FF2B5EF4-FFF2-40B4-BE49-F238E27FC236}">
+                <a16:creationId xmlns:a16="http://schemas.microsoft.com/office/drawing/2014/main" id="{4C214076-13AC-44E9-9280-9009D325B4C1}"/>
+              </a:ext>
+            </a:extLst>
+          </p:cNvPr>
+          <p:cNvCxnSpPr>
+            <a:stCxn id="248" idx="3"/>
+            <a:endCxn id="249" idx="1"/>
+          </p:cNvCxnSpPr>
+          <p:nvPr/>
+        </p:nvCxnSpPr>
+        <p:spPr>
+          <a:xfrm>
+            <a:off x="890534" y="5263338"/>
+            <a:ext cx="761421" cy="0"/>
+          </a:xfrm>
+          <a:prstGeom prst="line">
+            <a:avLst/>
+          </a:prstGeom>
+          <a:ln w="12700">
+            <a:solidFill>
+              <a:schemeClr val="tx1"/>
+            </a:solidFill>
+            <a:headEnd type="triangle"/>
+            <a:tailEnd type="triangle"/>
+          </a:ln>
+        </p:spPr>
+        <p:style>
+          <a:lnRef idx="1">
+            <a:schemeClr val="accent1"/>
+          </a:lnRef>
+          <a:fillRef idx="0">
+            <a:schemeClr val="accent1"/>
+          </a:fillRef>
+          <a:effectRef idx="0">
+            <a:schemeClr val="accent1"/>
+          </a:effectRef>
+          <a:fontRef idx="minor">
+            <a:schemeClr val="tx1"/>
+          </a:fontRef>
+        </p:style>
+      </p:cxnSp>
+      <p:sp>
+        <p:nvSpPr>
+          <p:cNvPr id="248" name="TextBox 247">
+            <a:extLst>
+              <a:ext uri="{FF2B5EF4-FFF2-40B4-BE49-F238E27FC236}">
+                <a16:creationId xmlns:a16="http://schemas.microsoft.com/office/drawing/2014/main" id="{43B20066-10FE-4BDA-89AE-2A8999C31A15}"/>
+              </a:ext>
+            </a:extLst>
+          </p:cNvPr>
+          <p:cNvSpPr txBox="1"/>
+          <p:nvPr/>
+        </p:nvSpPr>
+        <p:spPr>
+          <a:xfrm>
+            <a:off x="-852274" y="5078672"/>
+            <a:ext cx="1742808" cy="369332"/>
+          </a:xfrm>
+          <a:prstGeom prst="rect">
+            <a:avLst/>
+          </a:prstGeom>
+          <a:noFill/>
+        </p:spPr>
+        <p:txBody>
+          <a:bodyPr wrap="square" lIns="91440" tIns="45720" rIns="91440" bIns="45720" rtlCol="0">
+            <a:spAutoFit/>
+          </a:bodyPr>
+          <a:lstStyle/>
+          <a:p>
+            <a:pPr algn="r"/>
+            <a:r>
+              <a:rPr lang="en-US" sz="1800" dirty="0" err="1"/>
+              <a:t>scl</a:t>
+            </a:r>
+            <a:endParaRPr lang="en-US" sz="1800" dirty="0"/>
+          </a:p>
+        </p:txBody>
+      </p:sp>
+      <p:sp>
+        <p:nvSpPr>
+          <p:cNvPr id="249" name="TextBox 248">
+            <a:extLst>
+              <a:ext uri="{FF2B5EF4-FFF2-40B4-BE49-F238E27FC236}">
+                <a16:creationId xmlns:a16="http://schemas.microsoft.com/office/drawing/2014/main" id="{3D14F913-FE8E-4FAB-91AB-9EE2EB73A905}"/>
+              </a:ext>
+            </a:extLst>
+          </p:cNvPr>
+          <p:cNvSpPr txBox="1"/>
+          <p:nvPr/>
+        </p:nvSpPr>
+        <p:spPr>
+          <a:xfrm>
+            <a:off x="1651955" y="5078672"/>
+            <a:ext cx="1837398" cy="369332"/>
+          </a:xfrm>
+          <a:prstGeom prst="rect">
+            <a:avLst/>
+          </a:prstGeom>
+          <a:noFill/>
+        </p:spPr>
+        <p:txBody>
+          <a:bodyPr wrap="square" lIns="91440" tIns="45720" rIns="91440" bIns="45720" rtlCol="0">
+            <a:spAutoFit/>
+          </a:bodyPr>
+          <a:lstStyle/>
+          <a:p>
+            <a:r>
+              <a:rPr lang="en-US" sz="1800" dirty="0" err="1"/>
+              <a:t>scl</a:t>
+            </a:r>
+            <a:endParaRPr lang="en-US" sz="1800" dirty="0"/>
+          </a:p>
+        </p:txBody>
+      </p:sp>
+      <p:cxnSp>
+        <p:nvCxnSpPr>
+          <p:cNvPr id="250" name="Straight Connector 249">
+            <a:extLst>
+              <a:ext uri="{FF2B5EF4-FFF2-40B4-BE49-F238E27FC236}">
+                <a16:creationId xmlns:a16="http://schemas.microsoft.com/office/drawing/2014/main" id="{249FE4D3-C5E6-481E-8F06-7E1CEBA1FA57}"/>
+              </a:ext>
+            </a:extLst>
+          </p:cNvPr>
+          <p:cNvCxnSpPr>
+            <a:stCxn id="251" idx="3"/>
+            <a:endCxn id="252" idx="1"/>
+          </p:cNvCxnSpPr>
+          <p:nvPr/>
+        </p:nvCxnSpPr>
+        <p:spPr>
+          <a:xfrm>
+            <a:off x="890534" y="5539438"/>
+            <a:ext cx="761421" cy="0"/>
+          </a:xfrm>
+          <a:prstGeom prst="line">
+            <a:avLst/>
+          </a:prstGeom>
+          <a:ln w="12700">
+            <a:solidFill>
+              <a:schemeClr val="tx1"/>
+            </a:solidFill>
+            <a:headEnd type="triangle"/>
+            <a:tailEnd type="triangle"/>
+          </a:ln>
+        </p:spPr>
+        <p:style>
+          <a:lnRef idx="1">
+            <a:schemeClr val="accent1"/>
+          </a:lnRef>
+          <a:fillRef idx="0">
+            <a:schemeClr val="accent1"/>
+          </a:fillRef>
+          <a:effectRef idx="0">
+            <a:schemeClr val="accent1"/>
+          </a:effectRef>
+          <a:fontRef idx="minor">
+            <a:schemeClr val="tx1"/>
+          </a:fontRef>
+        </p:style>
+      </p:cxnSp>
+      <p:sp>
+        <p:nvSpPr>
+          <p:cNvPr id="251" name="TextBox 250">
+            <a:extLst>
+              <a:ext uri="{FF2B5EF4-FFF2-40B4-BE49-F238E27FC236}">
+                <a16:creationId xmlns:a16="http://schemas.microsoft.com/office/drawing/2014/main" id="{D2FA6519-2B4B-48A0-A9C0-9D2F0CCFF60E}"/>
+              </a:ext>
+            </a:extLst>
+          </p:cNvPr>
+          <p:cNvSpPr txBox="1"/>
+          <p:nvPr/>
+        </p:nvSpPr>
+        <p:spPr>
+          <a:xfrm>
+            <a:off x="-852274" y="5354772"/>
+            <a:ext cx="1742808" cy="369332"/>
+          </a:xfrm>
+          <a:prstGeom prst="rect">
+            <a:avLst/>
+          </a:prstGeom>
+          <a:noFill/>
+        </p:spPr>
+        <p:txBody>
+          <a:bodyPr wrap="square" lIns="91440" tIns="45720" rIns="91440" bIns="45720" rtlCol="0">
+            <a:spAutoFit/>
+          </a:bodyPr>
+          <a:lstStyle/>
+          <a:p>
+            <a:pPr algn="r"/>
+            <a:r>
+              <a:rPr lang="en-US" sz="1800" dirty="0" err="1"/>
+              <a:t>sda</a:t>
+            </a:r>
+            <a:endParaRPr lang="en-US" sz="1800" dirty="0"/>
+          </a:p>
+        </p:txBody>
+      </p:sp>
+      <p:sp>
+        <p:nvSpPr>
+          <p:cNvPr id="252" name="TextBox 251">
+            <a:extLst>
+              <a:ext uri="{FF2B5EF4-FFF2-40B4-BE49-F238E27FC236}">
+                <a16:creationId xmlns:a16="http://schemas.microsoft.com/office/drawing/2014/main" id="{9C212E0E-5AF1-4CCA-93BD-80BB8BE37B69}"/>
+              </a:ext>
+            </a:extLst>
+          </p:cNvPr>
+          <p:cNvSpPr txBox="1"/>
+          <p:nvPr/>
+        </p:nvSpPr>
+        <p:spPr>
+          <a:xfrm>
+            <a:off x="1651955" y="5354772"/>
+            <a:ext cx="1837398" cy="369332"/>
+          </a:xfrm>
+          <a:prstGeom prst="rect">
+            <a:avLst/>
+          </a:prstGeom>
+          <a:noFill/>
+        </p:spPr>
+        <p:txBody>
+          <a:bodyPr wrap="square" lIns="91440" tIns="45720" rIns="91440" bIns="45720" rtlCol="0">
+            <a:spAutoFit/>
+          </a:bodyPr>
+          <a:lstStyle/>
+          <a:p>
+            <a:r>
+              <a:rPr lang="en-US" sz="1800" dirty="0" err="1"/>
+              <a:t>sda</a:t>
+            </a:r>
+            <a:endParaRPr lang="en-US" sz="1800" dirty="0"/>
+          </a:p>
+        </p:txBody>
+      </p:sp>
+      <p:sp>
+        <p:nvSpPr>
+          <p:cNvPr id="253" name="Rounded Rectangle 245">
+            <a:extLst>
+              <a:ext uri="{FF2B5EF4-FFF2-40B4-BE49-F238E27FC236}">
+                <a16:creationId xmlns:a16="http://schemas.microsoft.com/office/drawing/2014/main" id="{064FC5FA-47E3-4A7E-AA7B-A05E9F5105FA}"/>
+              </a:ext>
+            </a:extLst>
+          </p:cNvPr>
+          <p:cNvSpPr/>
+          <p:nvPr/>
+        </p:nvSpPr>
+        <p:spPr>
+          <a:xfrm>
+            <a:off x="2399572" y="6333399"/>
+            <a:ext cx="1548505" cy="1376648"/>
+          </a:xfrm>
+          <a:prstGeom prst="roundRect">
+            <a:avLst>
+              <a:gd name="adj" fmla="val 13495"/>
+            </a:avLst>
+          </a:prstGeom>
+          <a:noFill/>
+          <a:ln>
+            <a:solidFill>
+              <a:schemeClr val="tx1"/>
+            </a:solidFill>
+          </a:ln>
+        </p:spPr>
+        <p:style>
+          <a:lnRef idx="2">
+            <a:schemeClr val="accent1">
+              <a:shade val="50000"/>
+            </a:schemeClr>
+          </a:lnRef>
+          <a:fillRef idx="1">
+            <a:schemeClr val="accent1"/>
+          </a:fillRef>
+          <a:effectRef idx="0">
+            <a:schemeClr val="accent1"/>
+          </a:effectRef>
+          <a:fontRef idx="minor">
+            <a:schemeClr val="lt1"/>
+          </a:fontRef>
+        </p:style>
+        <p:txBody>
+          <a:bodyPr lIns="91440" tIns="45720" rIns="91440" bIns="45720" spcCol="0" rtlCol="0" anchor="ctr"/>
+          <a:lstStyle/>
+          <a:p>
+            <a:pPr algn="ctr"/>
+            <a:endParaRPr lang="en-US" sz="1800"/>
+          </a:p>
+        </p:txBody>
+      </p:sp>
+      <p:sp>
+        <p:nvSpPr>
+          <p:cNvPr id="254" name="TextBox 253">
+            <a:extLst>
+              <a:ext uri="{FF2B5EF4-FFF2-40B4-BE49-F238E27FC236}">
+                <a16:creationId xmlns:a16="http://schemas.microsoft.com/office/drawing/2014/main" id="{6B8B5574-7240-45EF-BF97-57840F725F8A}"/>
+              </a:ext>
+            </a:extLst>
+          </p:cNvPr>
+          <p:cNvSpPr txBox="1"/>
+          <p:nvPr/>
+        </p:nvSpPr>
+        <p:spPr>
+          <a:xfrm>
+            <a:off x="2414315" y="6333005"/>
+            <a:ext cx="1524000" cy="369332"/>
+          </a:xfrm>
+          <a:prstGeom prst="rect">
+            <a:avLst/>
+          </a:prstGeom>
+          <a:noFill/>
+        </p:spPr>
+        <p:txBody>
+          <a:bodyPr wrap="square" lIns="91440" tIns="45720" rIns="91440" bIns="45720" rtlCol="0">
+            <a:spAutoFit/>
+          </a:bodyPr>
+          <a:lstStyle/>
+          <a:p>
+            <a:pPr algn="ctr"/>
+            <a:r>
+              <a:rPr lang="en-US" sz="1800" b="1" dirty="0"/>
+              <a:t>Clock_Wiz_1</a:t>
+            </a:r>
+            <a:endParaRPr lang="en-US" sz="4400" b="1" dirty="0"/>
+          </a:p>
+        </p:txBody>
+      </p:sp>
+      <p:cxnSp>
+        <p:nvCxnSpPr>
+          <p:cNvPr id="276" name="Straight Connector 275">
+            <a:extLst>
+              <a:ext uri="{FF2B5EF4-FFF2-40B4-BE49-F238E27FC236}">
+                <a16:creationId xmlns:a16="http://schemas.microsoft.com/office/drawing/2014/main" id="{650FFEDE-FBE3-4C4B-984F-57FF6E802DD5}"/>
+              </a:ext>
+            </a:extLst>
+          </p:cNvPr>
+          <p:cNvCxnSpPr>
+            <a:endCxn id="277" idx="1"/>
+          </p:cNvCxnSpPr>
+          <p:nvPr/>
+        </p:nvCxnSpPr>
+        <p:spPr>
+          <a:xfrm>
+            <a:off x="500724" y="2267581"/>
+            <a:ext cx="740849" cy="0"/>
+          </a:xfrm>
+          <a:prstGeom prst="line">
+            <a:avLst/>
+          </a:prstGeom>
+          <a:ln w="38100">
+            <a:solidFill>
+              <a:schemeClr val="tx1"/>
+            </a:solidFill>
+            <a:tailEnd type="triangle"/>
+          </a:ln>
+        </p:spPr>
+        <p:style>
+          <a:lnRef idx="1">
+            <a:schemeClr val="accent1"/>
+          </a:lnRef>
+          <a:fillRef idx="0">
+            <a:schemeClr val="accent1"/>
+          </a:fillRef>
+          <a:effectRef idx="0">
+            <a:schemeClr val="accent1"/>
+          </a:effectRef>
+          <a:fontRef idx="minor">
+            <a:schemeClr val="tx1"/>
+          </a:fontRef>
+        </p:style>
+      </p:cxnSp>
+      <p:sp>
+        <p:nvSpPr>
+          <p:cNvPr id="277" name="TextBox 276">
+            <a:extLst>
+              <a:ext uri="{FF2B5EF4-FFF2-40B4-BE49-F238E27FC236}">
+                <a16:creationId xmlns:a16="http://schemas.microsoft.com/office/drawing/2014/main" id="{570F7F7D-64D0-413A-898B-A860AC41852F}"/>
+              </a:ext>
+            </a:extLst>
+          </p:cNvPr>
+          <p:cNvSpPr txBox="1"/>
+          <p:nvPr/>
+        </p:nvSpPr>
+        <p:spPr>
+          <a:xfrm>
+            <a:off x="1241573" y="2082915"/>
+            <a:ext cx="759542" cy="369332"/>
+          </a:xfrm>
+          <a:prstGeom prst="rect">
+            <a:avLst/>
+          </a:prstGeom>
+          <a:noFill/>
+        </p:spPr>
+        <p:txBody>
+          <a:bodyPr wrap="square" lIns="91440" tIns="45720" rIns="91440" bIns="45720" rtlCol="0">
+            <a:spAutoFit/>
+          </a:bodyPr>
+          <a:lstStyle/>
+          <a:p>
+            <a:r>
+              <a:rPr lang="en-US" sz="1800" dirty="0" err="1"/>
+              <a:t>btn</a:t>
+            </a:r>
+            <a:endParaRPr lang="en-US" sz="1800" dirty="0"/>
+          </a:p>
+        </p:txBody>
+      </p:sp>
+      <p:sp>
+        <p:nvSpPr>
+          <p:cNvPr id="278" name="Rounded Rectangle 270">
+            <a:extLst>
+              <a:ext uri="{FF2B5EF4-FFF2-40B4-BE49-F238E27FC236}">
+                <a16:creationId xmlns:a16="http://schemas.microsoft.com/office/drawing/2014/main" id="{11567CAC-85D2-40E4-983C-03A528FED054}"/>
+              </a:ext>
+            </a:extLst>
+          </p:cNvPr>
+          <p:cNvSpPr/>
+          <p:nvPr/>
+        </p:nvSpPr>
+        <p:spPr>
+          <a:xfrm>
+            <a:off x="1655973" y="2171198"/>
+            <a:ext cx="2952226" cy="5919849"/>
+          </a:xfrm>
+          <a:prstGeom prst="roundRect">
+            <a:avLst>
+              <a:gd name="adj" fmla="val 12793"/>
+            </a:avLst>
+          </a:prstGeom>
+          <a:noFill/>
+          <a:ln>
+            <a:solidFill>
+              <a:schemeClr val="tx1"/>
+            </a:solidFill>
+          </a:ln>
+        </p:spPr>
+        <p:style>
+          <a:lnRef idx="2">
+            <a:schemeClr val="accent1">
+              <a:shade val="50000"/>
+            </a:schemeClr>
+          </a:lnRef>
+          <a:fillRef idx="1">
+            <a:schemeClr val="accent1"/>
+          </a:fillRef>
+          <a:effectRef idx="0">
+            <a:schemeClr val="accent1"/>
+          </a:effectRef>
+          <a:fontRef idx="minor">
+            <a:schemeClr val="lt1"/>
+          </a:fontRef>
+        </p:style>
+        <p:txBody>
+          <a:bodyPr lIns="91440" tIns="45720" rIns="91440" bIns="45720" spcCol="0" rtlCol="0" anchor="ctr"/>
+          <a:lstStyle/>
+          <a:p>
+            <a:pPr algn="ctr"/>
+            <a:endParaRPr lang="en-US"/>
+          </a:p>
+        </p:txBody>
+      </p:sp>
+      <p:sp>
+        <p:nvSpPr>
+          <p:cNvPr id="280" name="TextBox 279">
+            <a:extLst>
+              <a:ext uri="{FF2B5EF4-FFF2-40B4-BE49-F238E27FC236}">
+                <a16:creationId xmlns:a16="http://schemas.microsoft.com/office/drawing/2014/main" id="{37AA8EC8-2437-42C3-A493-7AB046CD034D}"/>
+              </a:ext>
+            </a:extLst>
+          </p:cNvPr>
+          <p:cNvSpPr txBox="1"/>
+          <p:nvPr/>
+        </p:nvSpPr>
+        <p:spPr>
+          <a:xfrm>
+            <a:off x="5955845" y="4643371"/>
+            <a:ext cx="1085371" cy="369332"/>
+          </a:xfrm>
+          <a:prstGeom prst="rect">
+            <a:avLst/>
+          </a:prstGeom>
+          <a:noFill/>
+        </p:spPr>
+        <p:txBody>
+          <a:bodyPr wrap="square" lIns="91440" tIns="45720" rIns="91440" bIns="45720" rtlCol="0">
+            <a:spAutoFit/>
+          </a:bodyPr>
+          <a:lstStyle/>
+          <a:p>
+            <a:pPr algn="r"/>
+            <a:r>
+              <a:rPr lang="en-US" sz="1800" dirty="0">
+                <a:solidFill>
+                  <a:srgbClr val="0070C0"/>
+                </a:solidFill>
+              </a:rPr>
+              <a:t>lab2or5</a:t>
+            </a:r>
+          </a:p>
+        </p:txBody>
+      </p:sp>
+      <p:cxnSp>
+        <p:nvCxnSpPr>
+          <p:cNvPr id="299" name="Straight Connector 298">
+            <a:extLst>
+              <a:ext uri="{FF2B5EF4-FFF2-40B4-BE49-F238E27FC236}">
+                <a16:creationId xmlns:a16="http://schemas.microsoft.com/office/drawing/2014/main" id="{40B04BC0-402A-4F16-AA54-B32F4C94A874}"/>
+              </a:ext>
+            </a:extLst>
+          </p:cNvPr>
+          <p:cNvCxnSpPr/>
+          <p:nvPr/>
+        </p:nvCxnSpPr>
+        <p:spPr>
+          <a:xfrm flipV="1">
+            <a:off x="6782380" y="5883782"/>
+            <a:ext cx="482692" cy="2967"/>
+          </a:xfrm>
+          <a:prstGeom prst="line">
+            <a:avLst/>
+          </a:prstGeom>
+          <a:ln w="38100">
+            <a:solidFill>
+              <a:srgbClr val="0070C0"/>
+            </a:solidFill>
+            <a:tailEnd type="triangle"/>
+          </a:ln>
+        </p:spPr>
+        <p:style>
+          <a:lnRef idx="1">
+            <a:schemeClr val="accent1"/>
+          </a:lnRef>
+          <a:fillRef idx="0">
+            <a:schemeClr val="accent1"/>
+          </a:fillRef>
+          <a:effectRef idx="0">
+            <a:schemeClr val="accent1"/>
+          </a:effectRef>
+          <a:fontRef idx="minor">
+            <a:schemeClr val="tx1"/>
+          </a:fontRef>
+        </p:style>
+      </p:cxnSp>
+      <p:sp>
+        <p:nvSpPr>
+          <p:cNvPr id="302" name="TextBox 301">
+            <a:extLst>
+              <a:ext uri="{FF2B5EF4-FFF2-40B4-BE49-F238E27FC236}">
+                <a16:creationId xmlns:a16="http://schemas.microsoft.com/office/drawing/2014/main" id="{F5695BCC-D775-4751-9F48-5EDE25044639}"/>
+              </a:ext>
+            </a:extLst>
+          </p:cNvPr>
+          <p:cNvSpPr txBox="1"/>
+          <p:nvPr/>
+        </p:nvSpPr>
+        <p:spPr>
+          <a:xfrm>
+            <a:off x="4780173" y="5887472"/>
+            <a:ext cx="570681" cy="369332"/>
+          </a:xfrm>
+          <a:prstGeom prst="rect">
+            <a:avLst/>
+          </a:prstGeom>
+          <a:noFill/>
+        </p:spPr>
+        <p:txBody>
+          <a:bodyPr wrap="square" lIns="91440" tIns="45720" rIns="91440" bIns="45720" rtlCol="0">
+            <a:spAutoFit/>
+          </a:bodyPr>
+          <a:lstStyle/>
+          <a:p>
+            <a:r>
+              <a:rPr lang="en-US" sz="1800" dirty="0"/>
+              <a:t>18</a:t>
+            </a:r>
+          </a:p>
+        </p:txBody>
+      </p:sp>
+      <p:cxnSp>
+        <p:nvCxnSpPr>
+          <p:cNvPr id="303" name="Straight Connector 302">
+            <a:extLst>
+              <a:ext uri="{FF2B5EF4-FFF2-40B4-BE49-F238E27FC236}">
+                <a16:creationId xmlns:a16="http://schemas.microsoft.com/office/drawing/2014/main" id="{E3D6DAF3-A59F-4527-85A0-D92AD3059FF5}"/>
+              </a:ext>
+            </a:extLst>
+          </p:cNvPr>
+          <p:cNvCxnSpPr/>
+          <p:nvPr/>
+        </p:nvCxnSpPr>
+        <p:spPr>
+          <a:xfrm flipV="1">
+            <a:off x="4665632" y="5799603"/>
+            <a:ext cx="323623" cy="304800"/>
+          </a:xfrm>
+          <a:prstGeom prst="line">
+            <a:avLst/>
+          </a:prstGeom>
+          <a:ln w="12700">
+            <a:solidFill>
+              <a:schemeClr val="tx1"/>
+            </a:solidFill>
+          </a:ln>
+        </p:spPr>
+        <p:style>
+          <a:lnRef idx="1">
+            <a:schemeClr val="accent1"/>
+          </a:lnRef>
+          <a:fillRef idx="0">
+            <a:schemeClr val="accent1"/>
+          </a:fillRef>
+          <a:effectRef idx="0">
+            <a:schemeClr val="accent1"/>
+          </a:effectRef>
+          <a:fontRef idx="minor">
+            <a:schemeClr val="tx1"/>
+          </a:fontRef>
+        </p:style>
+      </p:cxnSp>
+      <p:sp>
+        <p:nvSpPr>
+          <p:cNvPr id="304" name="TextBox 303">
+            <a:extLst>
+              <a:ext uri="{FF2B5EF4-FFF2-40B4-BE49-F238E27FC236}">
+                <a16:creationId xmlns:a16="http://schemas.microsoft.com/office/drawing/2014/main" id="{B27F538C-FFE0-449B-B3DF-FCA531B8A45C}"/>
+              </a:ext>
+            </a:extLst>
+          </p:cNvPr>
+          <p:cNvSpPr txBox="1"/>
+          <p:nvPr/>
+        </p:nvSpPr>
+        <p:spPr>
+          <a:xfrm>
+            <a:off x="4805869" y="5576447"/>
+            <a:ext cx="570681" cy="369332"/>
+          </a:xfrm>
+          <a:prstGeom prst="rect">
+            <a:avLst/>
+          </a:prstGeom>
+          <a:noFill/>
+        </p:spPr>
+        <p:txBody>
+          <a:bodyPr wrap="square" lIns="91440" tIns="45720" rIns="91440" bIns="45720" rtlCol="0">
+            <a:spAutoFit/>
+          </a:bodyPr>
+          <a:lstStyle/>
+          <a:p>
+            <a:r>
+              <a:rPr lang="en-US" sz="1800" dirty="0"/>
+              <a:t>18</a:t>
+            </a:r>
+          </a:p>
+        </p:txBody>
+      </p:sp>
+      <p:cxnSp>
+        <p:nvCxnSpPr>
+          <p:cNvPr id="305" name="Straight Connector 304">
+            <a:extLst>
+              <a:ext uri="{FF2B5EF4-FFF2-40B4-BE49-F238E27FC236}">
+                <a16:creationId xmlns:a16="http://schemas.microsoft.com/office/drawing/2014/main" id="{504A55AB-07CA-4833-8770-70D8A905064C}"/>
+              </a:ext>
+            </a:extLst>
+          </p:cNvPr>
+          <p:cNvCxnSpPr/>
+          <p:nvPr/>
+        </p:nvCxnSpPr>
+        <p:spPr>
+          <a:xfrm flipV="1">
+            <a:off x="4742457" y="5488188"/>
+            <a:ext cx="323623" cy="304800"/>
+          </a:xfrm>
+          <a:prstGeom prst="line">
+            <a:avLst/>
+          </a:prstGeom>
+          <a:ln w="12700">
+            <a:solidFill>
+              <a:schemeClr val="tx1"/>
+            </a:solidFill>
+          </a:ln>
+        </p:spPr>
+        <p:style>
+          <a:lnRef idx="1">
+            <a:schemeClr val="accent1"/>
+          </a:lnRef>
+          <a:fillRef idx="0">
+            <a:schemeClr val="accent1"/>
+          </a:fillRef>
+          <a:effectRef idx="0">
+            <a:schemeClr val="accent1"/>
+          </a:effectRef>
+          <a:fontRef idx="minor">
+            <a:schemeClr val="tx1"/>
+          </a:fontRef>
+        </p:style>
+      </p:cxnSp>
+      <p:sp>
+        <p:nvSpPr>
+          <p:cNvPr id="306" name="TextBox 305">
+            <a:extLst>
+              <a:ext uri="{FF2B5EF4-FFF2-40B4-BE49-F238E27FC236}">
+                <a16:creationId xmlns:a16="http://schemas.microsoft.com/office/drawing/2014/main" id="{116F1982-DDB5-4107-86DF-ECEAD5897F5B}"/>
+              </a:ext>
+            </a:extLst>
+          </p:cNvPr>
+          <p:cNvSpPr txBox="1"/>
+          <p:nvPr/>
+        </p:nvSpPr>
+        <p:spPr>
+          <a:xfrm>
+            <a:off x="4818514" y="5265998"/>
+            <a:ext cx="570681" cy="369332"/>
+          </a:xfrm>
+          <a:prstGeom prst="rect">
+            <a:avLst/>
+          </a:prstGeom>
+          <a:noFill/>
+        </p:spPr>
+        <p:txBody>
+          <a:bodyPr wrap="square" lIns="91440" tIns="45720" rIns="91440" bIns="45720" rtlCol="0">
+            <a:spAutoFit/>
+          </a:bodyPr>
+          <a:lstStyle/>
+          <a:p>
+            <a:r>
+              <a:rPr lang="en-US" sz="1800" dirty="0"/>
+              <a:t>18</a:t>
+            </a:r>
+          </a:p>
+        </p:txBody>
+      </p:sp>
+      <p:cxnSp>
+        <p:nvCxnSpPr>
+          <p:cNvPr id="307" name="Straight Connector 306">
+            <a:extLst>
+              <a:ext uri="{FF2B5EF4-FFF2-40B4-BE49-F238E27FC236}">
+                <a16:creationId xmlns:a16="http://schemas.microsoft.com/office/drawing/2014/main" id="{4C14F01C-6C4A-4769-BA92-34DCC28043E4}"/>
+              </a:ext>
+            </a:extLst>
+          </p:cNvPr>
+          <p:cNvCxnSpPr/>
+          <p:nvPr/>
+        </p:nvCxnSpPr>
+        <p:spPr>
+          <a:xfrm flipV="1">
+            <a:off x="4703973" y="5178129"/>
+            <a:ext cx="323623" cy="304800"/>
+          </a:xfrm>
+          <a:prstGeom prst="line">
+            <a:avLst/>
+          </a:prstGeom>
+          <a:ln w="12700">
+            <a:solidFill>
+              <a:schemeClr val="tx1"/>
+            </a:solidFill>
+          </a:ln>
+        </p:spPr>
+        <p:style>
+          <a:lnRef idx="1">
+            <a:schemeClr val="accent1"/>
+          </a:lnRef>
+          <a:fillRef idx="0">
+            <a:schemeClr val="accent1"/>
+          </a:fillRef>
+          <a:effectRef idx="0">
+            <a:schemeClr val="accent1"/>
+          </a:effectRef>
+          <a:fontRef idx="minor">
+            <a:schemeClr val="tx1"/>
+          </a:fontRef>
+        </p:style>
+      </p:cxnSp>
+      <p:sp>
+        <p:nvSpPr>
+          <p:cNvPr id="308" name="TextBox 307">
+            <a:extLst>
+              <a:ext uri="{FF2B5EF4-FFF2-40B4-BE49-F238E27FC236}">
+                <a16:creationId xmlns:a16="http://schemas.microsoft.com/office/drawing/2014/main" id="{F8A6E7B0-F8CB-43BC-AD2E-7F1B57C3097B}"/>
+              </a:ext>
+            </a:extLst>
+          </p:cNvPr>
+          <p:cNvSpPr txBox="1"/>
+          <p:nvPr/>
+        </p:nvSpPr>
+        <p:spPr>
+          <a:xfrm>
+            <a:off x="4844210" y="4954973"/>
+            <a:ext cx="570681" cy="369332"/>
+          </a:xfrm>
+          <a:prstGeom prst="rect">
+            <a:avLst/>
+          </a:prstGeom>
+          <a:noFill/>
+        </p:spPr>
+        <p:txBody>
+          <a:bodyPr wrap="square" lIns="91440" tIns="45720" rIns="91440" bIns="45720" rtlCol="0">
+            <a:spAutoFit/>
+          </a:bodyPr>
+          <a:lstStyle/>
+          <a:p>
+            <a:r>
+              <a:rPr lang="en-US" sz="1800" dirty="0"/>
+              <a:t>18</a:t>
+            </a:r>
+          </a:p>
+        </p:txBody>
+      </p:sp>
+      <p:cxnSp>
+        <p:nvCxnSpPr>
+          <p:cNvPr id="309" name="Straight Connector 308">
+            <a:extLst>
+              <a:ext uri="{FF2B5EF4-FFF2-40B4-BE49-F238E27FC236}">
+                <a16:creationId xmlns:a16="http://schemas.microsoft.com/office/drawing/2014/main" id="{10285D33-DCC4-4860-80D4-EC403E2A4170}"/>
+              </a:ext>
+            </a:extLst>
+          </p:cNvPr>
+          <p:cNvCxnSpPr/>
+          <p:nvPr/>
+        </p:nvCxnSpPr>
+        <p:spPr>
+          <a:xfrm flipV="1">
+            <a:off x="4729669" y="4867104"/>
+            <a:ext cx="323623" cy="304800"/>
+          </a:xfrm>
+          <a:prstGeom prst="line">
+            <a:avLst/>
+          </a:prstGeom>
+          <a:ln w="12700">
+            <a:solidFill>
+              <a:schemeClr val="tx1"/>
+            </a:solidFill>
+          </a:ln>
+        </p:spPr>
+        <p:style>
+          <a:lnRef idx="1">
+            <a:schemeClr val="accent1"/>
+          </a:lnRef>
+          <a:fillRef idx="0">
+            <a:schemeClr val="accent1"/>
+          </a:fillRef>
+          <a:effectRef idx="0">
+            <a:schemeClr val="accent1"/>
+          </a:effectRef>
+          <a:fontRef idx="minor">
+            <a:schemeClr val="tx1"/>
+          </a:fontRef>
+        </p:style>
+      </p:cxnSp>
+      <p:cxnSp>
+        <p:nvCxnSpPr>
+          <p:cNvPr id="317" name="Straight Connector 316">
+            <a:extLst>
+              <a:ext uri="{FF2B5EF4-FFF2-40B4-BE49-F238E27FC236}">
+                <a16:creationId xmlns:a16="http://schemas.microsoft.com/office/drawing/2014/main" id="{A7BDCAE0-1C35-4062-AEA9-2564D269C5C3}"/>
+              </a:ext>
+            </a:extLst>
+          </p:cNvPr>
+          <p:cNvCxnSpPr/>
+          <p:nvPr/>
+        </p:nvCxnSpPr>
+        <p:spPr>
+          <a:xfrm>
+            <a:off x="4602863" y="4330916"/>
+            <a:ext cx="482693" cy="0"/>
+          </a:xfrm>
+          <a:prstGeom prst="line">
+            <a:avLst/>
+          </a:prstGeom>
+          <a:ln w="12700">
+            <a:solidFill>
+              <a:schemeClr val="tx1"/>
+            </a:solidFill>
+            <a:headEnd type="triangle"/>
+            <a:tailEnd type="none"/>
+          </a:ln>
+        </p:spPr>
+        <p:style>
+          <a:lnRef idx="1">
+            <a:schemeClr val="accent1"/>
+          </a:lnRef>
+          <a:fillRef idx="0">
+            <a:schemeClr val="accent1"/>
+          </a:fillRef>
+          <a:effectRef idx="0">
+            <a:schemeClr val="accent1"/>
+          </a:effectRef>
+          <a:fontRef idx="minor">
+            <a:schemeClr val="tx1"/>
+          </a:fontRef>
+        </p:style>
+      </p:cxnSp>
+      <p:sp>
+        <p:nvSpPr>
+          <p:cNvPr id="318" name="TextBox 317">
+            <a:extLst>
+              <a:ext uri="{FF2B5EF4-FFF2-40B4-BE49-F238E27FC236}">
+                <a16:creationId xmlns:a16="http://schemas.microsoft.com/office/drawing/2014/main" id="{F8285133-D384-4D68-8981-FD7A1F6A23A3}"/>
+              </a:ext>
+            </a:extLst>
+          </p:cNvPr>
+          <p:cNvSpPr txBox="1"/>
+          <p:nvPr/>
+        </p:nvSpPr>
+        <p:spPr>
+          <a:xfrm>
+            <a:off x="3530683" y="4132191"/>
+            <a:ext cx="1044817" cy="369332"/>
+          </a:xfrm>
+          <a:prstGeom prst="rect">
+            <a:avLst/>
+          </a:prstGeom>
+          <a:noFill/>
+        </p:spPr>
+        <p:txBody>
+          <a:bodyPr wrap="square" lIns="91440" tIns="45720" rIns="91440" bIns="45720" rtlCol="0">
+            <a:spAutoFit/>
+          </a:bodyPr>
+          <a:lstStyle/>
+          <a:p>
+            <a:pPr algn="r"/>
+            <a:r>
+              <a:rPr lang="en-US" sz="1800" dirty="0" err="1"/>
+              <a:t>sim_live</a:t>
+            </a:r>
+            <a:endParaRPr lang="en-US" sz="1800" dirty="0"/>
+          </a:p>
+        </p:txBody>
+      </p:sp>
+      <p:sp>
+        <p:nvSpPr>
+          <p:cNvPr id="323" name="Trapezoid 322">
+            <a:extLst>
+              <a:ext uri="{FF2B5EF4-FFF2-40B4-BE49-F238E27FC236}">
+                <a16:creationId xmlns:a16="http://schemas.microsoft.com/office/drawing/2014/main" id="{699BAC0B-7CDD-4F9F-9C3F-3E46888324BC}"/>
+              </a:ext>
+            </a:extLst>
+          </p:cNvPr>
+          <p:cNvSpPr/>
+          <p:nvPr/>
+        </p:nvSpPr>
+        <p:spPr>
+          <a:xfrm rot="5400000">
+            <a:off x="5871541" y="5580342"/>
+            <a:ext cx="1224663" cy="571266"/>
+          </a:xfrm>
+          <a:prstGeom prst="trapezoid">
+            <a:avLst/>
+          </a:prstGeom>
+          <a:solidFill>
+            <a:schemeClr val="bg1"/>
+          </a:solidFill>
+          <a:ln w="25400">
+            <a:solidFill>
+              <a:srgbClr val="0070C0"/>
+            </a:solidFill>
+          </a:ln>
+        </p:spPr>
+        <p:style>
+          <a:lnRef idx="2">
+            <a:schemeClr val="accent1">
+              <a:shade val="50000"/>
+            </a:schemeClr>
+          </a:lnRef>
+          <a:fillRef idx="1">
+            <a:schemeClr val="accent1"/>
+          </a:fillRef>
+          <a:effectRef idx="0">
+            <a:schemeClr val="accent1"/>
+          </a:effectRef>
+          <a:fontRef idx="minor">
+            <a:schemeClr val="lt1"/>
+          </a:fontRef>
+        </p:style>
+        <p:txBody>
+          <a:bodyPr rtlCol="0" anchor="ctr"/>
+          <a:lstStyle/>
+          <a:p>
+            <a:pPr algn="ctr"/>
+            <a:endParaRPr lang="en-US"/>
+          </a:p>
+        </p:txBody>
+      </p:sp>
+      <p:sp>
+        <p:nvSpPr>
+          <p:cNvPr id="324" name="TextBox 323">
+            <a:extLst>
+              <a:ext uri="{FF2B5EF4-FFF2-40B4-BE49-F238E27FC236}">
+                <a16:creationId xmlns:a16="http://schemas.microsoft.com/office/drawing/2014/main" id="{E9C01F7A-64C3-42B8-B38D-ED3769DDFD08}"/>
+              </a:ext>
+            </a:extLst>
+          </p:cNvPr>
+          <p:cNvSpPr txBox="1"/>
+          <p:nvPr/>
+        </p:nvSpPr>
+        <p:spPr>
+          <a:xfrm rot="16200000">
+            <a:off x="5987059" y="5665274"/>
+            <a:ext cx="1071637" cy="369332"/>
+          </a:xfrm>
+          <a:prstGeom prst="rect">
+            <a:avLst/>
+          </a:prstGeom>
+          <a:noFill/>
+        </p:spPr>
+        <p:txBody>
+          <a:bodyPr wrap="square" lIns="91440" tIns="45720" rIns="91440" bIns="45720" rtlCol="0">
+            <a:spAutoFit/>
+          </a:bodyPr>
+          <a:lstStyle/>
+          <a:p>
+            <a:pPr algn="ctr"/>
+            <a:r>
+              <a:rPr lang="en-US" sz="1800" b="1" dirty="0">
+                <a:solidFill>
+                  <a:srgbClr val="0070C0"/>
+                </a:solidFill>
+              </a:rPr>
+              <a:t>Mux</a:t>
+            </a:r>
+            <a:endParaRPr lang="en-US" sz="4400" b="1" dirty="0">
+              <a:solidFill>
+                <a:srgbClr val="0070C0"/>
+              </a:solidFill>
+            </a:endParaRPr>
+          </a:p>
+        </p:txBody>
+      </p:sp>
+      <p:sp>
+        <p:nvSpPr>
+          <p:cNvPr id="325" name="TextBox 324">
+            <a:extLst>
+              <a:ext uri="{FF2B5EF4-FFF2-40B4-BE49-F238E27FC236}">
+                <a16:creationId xmlns:a16="http://schemas.microsoft.com/office/drawing/2014/main" id="{510C6BE1-95A1-4260-BBC1-2488E1B442BD}"/>
+              </a:ext>
+            </a:extLst>
+          </p:cNvPr>
+          <p:cNvSpPr txBox="1"/>
+          <p:nvPr/>
+        </p:nvSpPr>
+        <p:spPr>
+          <a:xfrm>
+            <a:off x="6139265" y="5909509"/>
+            <a:ext cx="419578" cy="369332"/>
+          </a:xfrm>
+          <a:prstGeom prst="rect">
+            <a:avLst/>
+          </a:prstGeom>
+          <a:noFill/>
+        </p:spPr>
+        <p:txBody>
+          <a:bodyPr wrap="square" lIns="91440" tIns="45720" rIns="91440" bIns="45720" rtlCol="0">
+            <a:spAutoFit/>
+          </a:bodyPr>
+          <a:lstStyle/>
+          <a:p>
+            <a:pPr algn="ctr"/>
+            <a:r>
+              <a:rPr lang="en-US" sz="1800" dirty="0">
+                <a:solidFill>
+                  <a:srgbClr val="0070C0"/>
+                </a:solidFill>
+              </a:rPr>
+              <a:t>1</a:t>
+            </a:r>
+          </a:p>
+        </p:txBody>
+      </p:sp>
+      <p:sp>
+        <p:nvSpPr>
+          <p:cNvPr id="326" name="TextBox 325">
+            <a:extLst>
+              <a:ext uri="{FF2B5EF4-FFF2-40B4-BE49-F238E27FC236}">
+                <a16:creationId xmlns:a16="http://schemas.microsoft.com/office/drawing/2014/main" id="{B0D46CE6-E253-4803-97E0-8BBBFEB75344}"/>
+              </a:ext>
+            </a:extLst>
+          </p:cNvPr>
+          <p:cNvSpPr txBox="1"/>
+          <p:nvPr/>
+        </p:nvSpPr>
+        <p:spPr>
+          <a:xfrm>
+            <a:off x="6135832" y="5463193"/>
+            <a:ext cx="419578" cy="369332"/>
+          </a:xfrm>
+          <a:prstGeom prst="rect">
+            <a:avLst/>
+          </a:prstGeom>
+          <a:noFill/>
+        </p:spPr>
+        <p:txBody>
+          <a:bodyPr wrap="square" lIns="91440" tIns="45720" rIns="91440" bIns="45720" rtlCol="0">
+            <a:spAutoFit/>
+          </a:bodyPr>
+          <a:lstStyle/>
+          <a:p>
+            <a:pPr algn="ctr"/>
+            <a:r>
+              <a:rPr lang="en-US" sz="1800" dirty="0">
+                <a:solidFill>
+                  <a:srgbClr val="0070C0"/>
+                </a:solidFill>
+              </a:rPr>
+              <a:t>0</a:t>
+            </a:r>
+          </a:p>
+        </p:txBody>
+      </p:sp>
+      <p:cxnSp>
+        <p:nvCxnSpPr>
+          <p:cNvPr id="327" name="Straight Connector 326">
+            <a:extLst>
+              <a:ext uri="{FF2B5EF4-FFF2-40B4-BE49-F238E27FC236}">
+                <a16:creationId xmlns:a16="http://schemas.microsoft.com/office/drawing/2014/main" id="{6C055A63-A795-47A2-B161-75CF3ABAD9A5}"/>
+              </a:ext>
+            </a:extLst>
+          </p:cNvPr>
+          <p:cNvCxnSpPr/>
+          <p:nvPr/>
+        </p:nvCxnSpPr>
+        <p:spPr>
+          <a:xfrm flipV="1">
+            <a:off x="5664839" y="6137115"/>
+            <a:ext cx="482692" cy="2967"/>
+          </a:xfrm>
+          <a:prstGeom prst="line">
+            <a:avLst/>
+          </a:prstGeom>
+          <a:ln w="38100">
+            <a:solidFill>
+              <a:srgbClr val="0070C0"/>
+            </a:solidFill>
+            <a:tailEnd type="triangle"/>
+          </a:ln>
+        </p:spPr>
+        <p:style>
+          <a:lnRef idx="1">
+            <a:schemeClr val="accent1"/>
+          </a:lnRef>
+          <a:fillRef idx="0">
+            <a:schemeClr val="accent1"/>
+          </a:fillRef>
+          <a:effectRef idx="0">
+            <a:schemeClr val="accent1"/>
+          </a:effectRef>
+          <a:fontRef idx="minor">
+            <a:schemeClr val="tx1"/>
+          </a:fontRef>
+        </p:style>
+      </p:cxnSp>
+      <p:sp>
+        <p:nvSpPr>
+          <p:cNvPr id="328" name="TextBox 327">
+            <a:extLst>
+              <a:ext uri="{FF2B5EF4-FFF2-40B4-BE49-F238E27FC236}">
+                <a16:creationId xmlns:a16="http://schemas.microsoft.com/office/drawing/2014/main" id="{D11869B9-9A55-495D-B0C6-EB210AFB16B8}"/>
+              </a:ext>
+            </a:extLst>
+          </p:cNvPr>
+          <p:cNvSpPr txBox="1"/>
+          <p:nvPr/>
+        </p:nvSpPr>
+        <p:spPr>
+          <a:xfrm>
+            <a:off x="5108950" y="6101362"/>
+            <a:ext cx="824853" cy="383677"/>
+          </a:xfrm>
+          <a:prstGeom prst="rect">
+            <a:avLst/>
+          </a:prstGeom>
+          <a:noFill/>
+        </p:spPr>
+        <p:txBody>
+          <a:bodyPr wrap="square" lIns="91440" tIns="45720" rIns="91440" bIns="45720" rtlCol="0">
+            <a:spAutoFit/>
+          </a:bodyPr>
+          <a:lstStyle/>
+          <a:p>
+            <a:pPr algn="ctr"/>
+            <a:r>
+              <a:rPr lang="en-US" sz="1800" dirty="0" err="1">
+                <a:solidFill>
+                  <a:srgbClr val="0070C0"/>
+                </a:solidFill>
+              </a:rPr>
+              <a:t>L_bus</a:t>
+            </a:r>
+            <a:endParaRPr lang="en-US" sz="1800" dirty="0">
+              <a:solidFill>
+                <a:srgbClr val="0070C0"/>
+              </a:solidFill>
+            </a:endParaRPr>
+          </a:p>
+        </p:txBody>
+      </p:sp>
+      <p:cxnSp>
+        <p:nvCxnSpPr>
+          <p:cNvPr id="329" name="Straight Connector 328">
+            <a:extLst>
+              <a:ext uri="{FF2B5EF4-FFF2-40B4-BE49-F238E27FC236}">
+                <a16:creationId xmlns:a16="http://schemas.microsoft.com/office/drawing/2014/main" id="{B63DE7D2-F06C-47CA-9132-49B0B2FD4D13}"/>
+              </a:ext>
+            </a:extLst>
+          </p:cNvPr>
+          <p:cNvCxnSpPr/>
+          <p:nvPr/>
+        </p:nvCxnSpPr>
+        <p:spPr>
+          <a:xfrm>
+            <a:off x="6509035" y="5002419"/>
+            <a:ext cx="0" cy="322535"/>
+          </a:xfrm>
+          <a:prstGeom prst="line">
+            <a:avLst/>
+          </a:prstGeom>
+          <a:ln w="12700">
+            <a:solidFill>
+              <a:srgbClr val="0070C0"/>
+            </a:solidFill>
+            <a:tailEnd type="triangle"/>
+          </a:ln>
+        </p:spPr>
+        <p:style>
+          <a:lnRef idx="1">
+            <a:schemeClr val="accent1"/>
+          </a:lnRef>
+          <a:fillRef idx="0">
+            <a:schemeClr val="accent1"/>
+          </a:fillRef>
+          <a:effectRef idx="0">
+            <a:schemeClr val="accent1"/>
+          </a:effectRef>
+          <a:fontRef idx="minor">
+            <a:schemeClr val="tx1"/>
+          </a:fontRef>
+        </p:style>
+      </p:cxnSp>
     </p:spTree>
     <p:extLst>
       <p:ext uri="{BB962C8B-B14F-4D97-AF65-F5344CB8AC3E}">
